--- a/2022년-1학기/2022년-1C(PBL)자료/자율프로젝트(스마트홈-Data Analyze)/IOT_DataAnalyze_개발내용요약.pptx
+++ b/2022년-1학기/2022년-1C(PBL)자료/자율프로젝트(스마트홈-Data Analyze)/IOT_DataAnalyze_개발내용요약.pptx
@@ -8,8 +8,8 @@
     <p:notesMasterId r:id="rId4"/>
   </p:notesMasterIdLst>
   <p:sldIdLst>
-    <p:sldId id="256" r:id="rId2"/>
-    <p:sldId id="257" r:id="rId3"/>
+    <p:sldId id="257" r:id="rId2"/>
+    <p:sldId id="256" r:id="rId3"/>
   </p:sldIdLst>
   <p:sldSz cx="12192000" cy="6858000"/>
   <p:notesSz cx="6858000" cy="9144000"/>
@@ -198,7 +198,7 @@
           <a:p>
             <a:fld id="{85263C2B-E17A-41DA-88CF-DC8DFC813E5C}" type="datetimeFigureOut">
               <a:rPr lang="ko-KR" altLang="en-US" smtClean="0"/>
-              <a:t>2022-05-03</a:t>
+              <a:t>2022-05-23</a:t>
             </a:fld>
             <a:endParaRPr lang="ko-KR" altLang="en-US"/>
           </a:p>
@@ -612,7 +612,7 @@
           <a:p>
             <a:fld id="{B2D17322-BFB9-44BF-90C8-FED53C1C3305}" type="datetimeFigureOut">
               <a:rPr lang="ko-KR" altLang="en-US" smtClean="0"/>
-              <a:t>2022-05-03</a:t>
+              <a:t>2022-05-23</a:t>
             </a:fld>
             <a:endParaRPr lang="ko-KR" altLang="en-US"/>
           </a:p>
@@ -810,7 +810,7 @@
           <a:p>
             <a:fld id="{B2D17322-BFB9-44BF-90C8-FED53C1C3305}" type="datetimeFigureOut">
               <a:rPr lang="ko-KR" altLang="en-US" smtClean="0"/>
-              <a:t>2022-05-03</a:t>
+              <a:t>2022-05-23</a:t>
             </a:fld>
             <a:endParaRPr lang="ko-KR" altLang="en-US"/>
           </a:p>
@@ -1018,7 +1018,7 @@
           <a:p>
             <a:fld id="{B2D17322-BFB9-44BF-90C8-FED53C1C3305}" type="datetimeFigureOut">
               <a:rPr lang="ko-KR" altLang="en-US" smtClean="0"/>
-              <a:t>2022-05-03</a:t>
+              <a:t>2022-05-23</a:t>
             </a:fld>
             <a:endParaRPr lang="ko-KR" altLang="en-US"/>
           </a:p>
@@ -1216,7 +1216,7 @@
           <a:p>
             <a:fld id="{B2D17322-BFB9-44BF-90C8-FED53C1C3305}" type="datetimeFigureOut">
               <a:rPr lang="ko-KR" altLang="en-US" smtClean="0"/>
-              <a:t>2022-05-03</a:t>
+              <a:t>2022-05-23</a:t>
             </a:fld>
             <a:endParaRPr lang="ko-KR" altLang="en-US"/>
           </a:p>
@@ -1491,7 +1491,7 @@
           <a:p>
             <a:fld id="{B2D17322-BFB9-44BF-90C8-FED53C1C3305}" type="datetimeFigureOut">
               <a:rPr lang="ko-KR" altLang="en-US" smtClean="0"/>
-              <a:t>2022-05-03</a:t>
+              <a:t>2022-05-23</a:t>
             </a:fld>
             <a:endParaRPr lang="ko-KR" altLang="en-US"/>
           </a:p>
@@ -1756,7 +1756,7 @@
           <a:p>
             <a:fld id="{B2D17322-BFB9-44BF-90C8-FED53C1C3305}" type="datetimeFigureOut">
               <a:rPr lang="ko-KR" altLang="en-US" smtClean="0"/>
-              <a:t>2022-05-03</a:t>
+              <a:t>2022-05-23</a:t>
             </a:fld>
             <a:endParaRPr lang="ko-KR" altLang="en-US"/>
           </a:p>
@@ -2168,7 +2168,7 @@
           <a:p>
             <a:fld id="{B2D17322-BFB9-44BF-90C8-FED53C1C3305}" type="datetimeFigureOut">
               <a:rPr lang="ko-KR" altLang="en-US" smtClean="0"/>
-              <a:t>2022-05-03</a:t>
+              <a:t>2022-05-23</a:t>
             </a:fld>
             <a:endParaRPr lang="ko-KR" altLang="en-US"/>
           </a:p>
@@ -2309,7 +2309,7 @@
           <a:p>
             <a:fld id="{B2D17322-BFB9-44BF-90C8-FED53C1C3305}" type="datetimeFigureOut">
               <a:rPr lang="ko-KR" altLang="en-US" smtClean="0"/>
-              <a:t>2022-05-03</a:t>
+              <a:t>2022-05-23</a:t>
             </a:fld>
             <a:endParaRPr lang="ko-KR" altLang="en-US"/>
           </a:p>
@@ -2422,7 +2422,7 @@
           <a:p>
             <a:fld id="{B2D17322-BFB9-44BF-90C8-FED53C1C3305}" type="datetimeFigureOut">
               <a:rPr lang="ko-KR" altLang="en-US" smtClean="0"/>
-              <a:t>2022-05-03</a:t>
+              <a:t>2022-05-23</a:t>
             </a:fld>
             <a:endParaRPr lang="ko-KR" altLang="en-US"/>
           </a:p>
@@ -2733,7 +2733,7 @@
           <a:p>
             <a:fld id="{B2D17322-BFB9-44BF-90C8-FED53C1C3305}" type="datetimeFigureOut">
               <a:rPr lang="ko-KR" altLang="en-US" smtClean="0"/>
-              <a:t>2022-05-03</a:t>
+              <a:t>2022-05-23</a:t>
             </a:fld>
             <a:endParaRPr lang="ko-KR" altLang="en-US"/>
           </a:p>
@@ -3021,7 +3021,7 @@
           <a:p>
             <a:fld id="{B2D17322-BFB9-44BF-90C8-FED53C1C3305}" type="datetimeFigureOut">
               <a:rPr lang="ko-KR" altLang="en-US" smtClean="0"/>
-              <a:t>2022-05-03</a:t>
+              <a:t>2022-05-23</a:t>
             </a:fld>
             <a:endParaRPr lang="ko-KR" altLang="en-US"/>
           </a:p>
@@ -3262,7 +3262,7 @@
           <a:p>
             <a:fld id="{B2D17322-BFB9-44BF-90C8-FED53C1C3305}" type="datetimeFigureOut">
               <a:rPr lang="ko-KR" altLang="en-US" smtClean="0"/>
-              <a:t>2022-05-03</a:t>
+              <a:t>2022-05-23</a:t>
             </a:fld>
             <a:endParaRPr lang="ko-KR" altLang="en-US"/>
           </a:p>
@@ -3693,8 +3693,8 @@
         </p:nvSpPr>
         <p:spPr>
           <a:xfrm>
-            <a:off x="2800349" y="466726"/>
-            <a:ext cx="9163049" cy="6134098"/>
+            <a:off x="4366260" y="466726"/>
+            <a:ext cx="5935980" cy="6134098"/>
           </a:xfrm>
           <a:prstGeom prst="rect">
             <a:avLst/>
@@ -3785,12 +3785,16 @@
           <a:p>
             <a:pPr algn="ctr"/>
             <a:r>
+              <a:rPr lang="en-US" altLang="ko-KR" dirty="0" err="1"/>
+              <a:t>IOT_Data</a:t>
+            </a:r>
+            <a:r>
               <a:rPr lang="en-US" altLang="ko-KR" dirty="0"/>
-              <a:t>RFID </a:t>
+              <a:t> Analyze </a:t>
             </a:r>
             <a:r>
               <a:rPr lang="ko-KR" altLang="en-US" dirty="0"/>
-              <a:t>데이터 분석 프로그램</a:t>
+              <a:t>시스템</a:t>
             </a:r>
           </a:p>
         </p:txBody>
@@ -3817,7 +3821,7 @@
         </p:blipFill>
         <p:spPr>
           <a:xfrm>
-            <a:off x="219066" y="2431339"/>
+            <a:off x="758940" y="2522885"/>
             <a:ext cx="1390802" cy="1390802"/>
           </a:xfrm>
           <a:prstGeom prst="rect">
@@ -3839,8 +3843,8 @@
         </p:nvSpPr>
         <p:spPr>
           <a:xfrm>
-            <a:off x="1609868" y="1771655"/>
-            <a:ext cx="1190481" cy="838200"/>
+            <a:off x="3200400" y="1396314"/>
+            <a:ext cx="1047103" cy="1213541"/>
           </a:xfrm>
           <a:prstGeom prst="rightArrow">
             <a:avLst/>
@@ -3882,7 +3886,7 @@
                   <a:schemeClr val="tx1"/>
                 </a:solidFill>
               </a:rPr>
-              <a:t>인터페이스</a:t>
+              <a:t>사용자</a:t>
             </a:r>
             <a:endParaRPr lang="en-US" altLang="ko-KR" sz="1200" dirty="0">
               <a:solidFill>
@@ -3893,12 +3897,20 @@
           <a:p>
             <a:pPr algn="ctr"/>
             <a:r>
+              <a:rPr lang="en-US" altLang="ko-KR" sz="1200" dirty="0">
+                <a:solidFill>
+                  <a:schemeClr val="tx1"/>
+                </a:solidFill>
+              </a:rPr>
+              <a:t>IOT</a:t>
+            </a:r>
+            <a:r>
               <a:rPr lang="ko-KR" altLang="en-US" sz="1200" dirty="0">
                 <a:solidFill>
                   <a:schemeClr val="tx1"/>
                 </a:solidFill>
               </a:rPr>
-              <a:t>입력</a:t>
+              <a:t> 정보 생성</a:t>
             </a:r>
           </a:p>
         </p:txBody>
@@ -3917,8 +3929,8 @@
         </p:nvSpPr>
         <p:spPr>
           <a:xfrm>
-            <a:off x="1609868" y="3364941"/>
-            <a:ext cx="1190481" cy="838200"/>
+            <a:off x="2856702" y="3364940"/>
+            <a:ext cx="1390802" cy="996995"/>
           </a:xfrm>
           <a:prstGeom prst="leftArrow">
             <a:avLst/>
@@ -3960,71 +3972,9 @@
                   <a:schemeClr val="tx1"/>
                 </a:solidFill>
               </a:rPr>
-              <a:t>결과 출력</a:t>
-            </a:r>
-          </a:p>
-        </p:txBody>
-      </p:sp>
-      <p:sp>
-        <p:nvSpPr>
-          <p:cNvPr id="18" name="사각형: 둥근 모서리 17">
-            <a:extLst>
-              <a:ext uri="{FF2B5EF4-FFF2-40B4-BE49-F238E27FC236}">
-                <a16:creationId xmlns:a16="http://schemas.microsoft.com/office/drawing/2014/main" id="{B030B970-A09D-4B2B-A1F6-59B6060133E9}"/>
-              </a:ext>
-            </a:extLst>
-          </p:cNvPr>
-          <p:cNvSpPr/>
-          <p:nvPr/>
-        </p:nvSpPr>
-        <p:spPr>
-          <a:xfrm>
-            <a:off x="7574469" y="890492"/>
-            <a:ext cx="2269781" cy="640491"/>
-          </a:xfrm>
-          <a:prstGeom prst="roundRect">
-            <a:avLst/>
-          </a:prstGeom>
-          <a:solidFill>
-            <a:schemeClr val="accent2">
-              <a:lumMod val="60000"/>
-              <a:lumOff val="40000"/>
-            </a:schemeClr>
-          </a:solidFill>
-          <a:ln>
-            <a:noFill/>
-          </a:ln>
-        </p:spPr>
-        <p:style>
-          <a:lnRef idx="2">
-            <a:schemeClr val="accent1">
-              <a:shade val="50000"/>
-            </a:schemeClr>
-          </a:lnRef>
-          <a:fillRef idx="1">
-            <a:schemeClr val="accent1"/>
-          </a:fillRef>
-          <a:effectRef idx="0">
-            <a:schemeClr val="accent1"/>
-          </a:effectRef>
-          <a:fontRef idx="minor">
-            <a:schemeClr val="lt1"/>
-          </a:fontRef>
-        </p:style>
-        <p:txBody>
-          <a:bodyPr rtlCol="0" anchor="ctr"/>
-          <a:lstStyle/>
-          <a:p>
-            <a:pPr algn="ctr"/>
-            <a:r>
-              <a:rPr lang="ko-KR" altLang="en-US" sz="1200" dirty="0">
-                <a:solidFill>
-                  <a:schemeClr val="tx1"/>
-                </a:solidFill>
-              </a:rPr>
-              <a:t>타겟 아이디를</a:t>
-            </a:r>
-            <a:endParaRPr lang="en-US" altLang="ko-KR" sz="1200" dirty="0">
+              <a:t>사용자</a:t>
+            </a:r>
+            <a:endParaRPr lang="en-US" altLang="ko-KR" sz="1400" dirty="0">
               <a:solidFill>
                 <a:schemeClr val="tx1"/>
               </a:solidFill>
@@ -4033,38 +3983,22 @@
           <a:p>
             <a:pPr algn="ctr"/>
             <a:r>
-              <a:rPr lang="ko-KR" altLang="en-US" sz="1200" dirty="0">
-                <a:solidFill>
-                  <a:schemeClr val="tx1"/>
-                </a:solidFill>
-              </a:rPr>
-              <a:t>해당 함수에 </a:t>
-            </a:r>
-            <a:endParaRPr lang="en-US" altLang="ko-KR" sz="1200" dirty="0">
-              <a:solidFill>
-                <a:schemeClr val="tx1"/>
-              </a:solidFill>
-            </a:endParaRPr>
-          </a:p>
-          <a:p>
-            <a:pPr algn="ctr"/>
-            <a:r>
-              <a:rPr lang="ko-KR" altLang="en-US" sz="1200" dirty="0">
-                <a:solidFill>
-                  <a:schemeClr val="tx1"/>
-                </a:solidFill>
-              </a:rPr>
-              <a:t>매개 변수로 전달</a:t>
-            </a:r>
-          </a:p>
-        </p:txBody>
-      </p:sp>
-      <p:sp>
-        <p:nvSpPr>
-          <p:cNvPr id="19" name="화살표: 아래쪽 18">
-            <a:extLst>
-              <a:ext uri="{FF2B5EF4-FFF2-40B4-BE49-F238E27FC236}">
-                <a16:creationId xmlns:a16="http://schemas.microsoft.com/office/drawing/2014/main" id="{6436A944-D774-42A2-9677-963EDC2FA9E4}"/>
+              <a:rPr lang="ko-KR" altLang="en-US" sz="1400" dirty="0">
+                <a:solidFill>
+                  <a:schemeClr val="tx1"/>
+                </a:solidFill>
+              </a:rPr>
+              <a:t>데이터 출력</a:t>
+            </a:r>
+          </a:p>
+        </p:txBody>
+      </p:sp>
+      <p:sp>
+        <p:nvSpPr>
+          <p:cNvPr id="35" name="사각형: 둥근 모서리 34">
+            <a:extLst>
+              <a:ext uri="{FF2B5EF4-FFF2-40B4-BE49-F238E27FC236}">
+                <a16:creationId xmlns:a16="http://schemas.microsoft.com/office/drawing/2014/main" id="{B9658C61-17C4-4ACA-972C-2812EFA28105}"/>
               </a:ext>
             </a:extLst>
           </p:cNvPr>
@@ -4073,953 +4007,8 @@
         </p:nvSpPr>
         <p:spPr>
           <a:xfrm>
-            <a:off x="8559325" y="1541222"/>
-            <a:ext cx="330588" cy="384225"/>
-          </a:xfrm>
-          <a:prstGeom prst="downArrow">
-            <a:avLst/>
-          </a:prstGeom>
-          <a:noFill/>
-          <a:ln>
-            <a:solidFill>
-              <a:schemeClr val="tx1"/>
-            </a:solidFill>
-          </a:ln>
-        </p:spPr>
-        <p:style>
-          <a:lnRef idx="2">
-            <a:schemeClr val="accent1">
-              <a:shade val="50000"/>
-            </a:schemeClr>
-          </a:lnRef>
-          <a:fillRef idx="1">
-            <a:schemeClr val="accent1"/>
-          </a:fillRef>
-          <a:effectRef idx="0">
-            <a:schemeClr val="accent1"/>
-          </a:effectRef>
-          <a:fontRef idx="minor">
-            <a:schemeClr val="lt1"/>
-          </a:fontRef>
-        </p:style>
-        <p:txBody>
-          <a:bodyPr rtlCol="0" anchor="ctr"/>
-          <a:lstStyle/>
-          <a:p>
-            <a:pPr algn="ctr"/>
-            <a:endParaRPr lang="ko-KR" altLang="en-US" sz="1200"/>
-          </a:p>
-        </p:txBody>
-      </p:sp>
-      <p:sp>
-        <p:nvSpPr>
-          <p:cNvPr id="20" name="사각형: 둥근 모서리 19">
-            <a:extLst>
-              <a:ext uri="{FF2B5EF4-FFF2-40B4-BE49-F238E27FC236}">
-                <a16:creationId xmlns:a16="http://schemas.microsoft.com/office/drawing/2014/main" id="{743383B4-FC5C-49F0-85F5-1B1294437FE5}"/>
-              </a:ext>
-            </a:extLst>
-          </p:cNvPr>
-          <p:cNvSpPr/>
-          <p:nvPr/>
-        </p:nvSpPr>
-        <p:spPr>
-          <a:xfrm>
-            <a:off x="7482957" y="1958712"/>
-            <a:ext cx="2483324" cy="710634"/>
-          </a:xfrm>
-          <a:prstGeom prst="roundRect">
-            <a:avLst/>
-          </a:prstGeom>
-          <a:solidFill>
-            <a:schemeClr val="accent2">
-              <a:lumMod val="60000"/>
-              <a:lumOff val="40000"/>
-            </a:schemeClr>
-          </a:solidFill>
-          <a:ln>
-            <a:noFill/>
-          </a:ln>
-        </p:spPr>
-        <p:style>
-          <a:lnRef idx="2">
-            <a:schemeClr val="accent1">
-              <a:shade val="50000"/>
-            </a:schemeClr>
-          </a:lnRef>
-          <a:fillRef idx="1">
-            <a:schemeClr val="accent1"/>
-          </a:fillRef>
-          <a:effectRef idx="0">
-            <a:schemeClr val="accent1"/>
-          </a:effectRef>
-          <a:fontRef idx="minor">
-            <a:schemeClr val="lt1"/>
-          </a:fontRef>
-        </p:style>
-        <p:txBody>
-          <a:bodyPr rtlCol="0" anchor="ctr"/>
-          <a:lstStyle/>
-          <a:p>
-            <a:pPr algn="ctr"/>
-            <a:r>
-              <a:rPr lang="en-US" altLang="ko-KR" sz="1200" dirty="0">
-                <a:solidFill>
-                  <a:schemeClr val="tx1"/>
-                </a:solidFill>
-              </a:rPr>
-              <a:t>RFID.Data.txt</a:t>
-            </a:r>
-            <a:r>
-              <a:rPr lang="ko-KR" altLang="en-US" sz="1200" dirty="0">
-                <a:solidFill>
-                  <a:schemeClr val="tx1"/>
-                </a:solidFill>
-              </a:rPr>
-              <a:t>에서 가져온 값과</a:t>
-            </a:r>
-            <a:endParaRPr lang="en-US" altLang="ko-KR" sz="1200" dirty="0">
-              <a:solidFill>
-                <a:schemeClr val="tx1"/>
-              </a:solidFill>
-            </a:endParaRPr>
-          </a:p>
-          <a:p>
-            <a:pPr algn="ctr"/>
-            <a:r>
-              <a:rPr lang="ko-KR" altLang="en-US" sz="1200" dirty="0">
-                <a:solidFill>
-                  <a:schemeClr val="tx1"/>
-                </a:solidFill>
-              </a:rPr>
-              <a:t>동일한 </a:t>
-            </a:r>
-            <a:r>
-              <a:rPr lang="en-US" altLang="ko-KR" sz="1200" dirty="0">
-                <a:solidFill>
-                  <a:schemeClr val="tx1"/>
-                </a:solidFill>
-              </a:rPr>
-              <a:t>ID </a:t>
-            </a:r>
-            <a:r>
-              <a:rPr lang="ko-KR" altLang="en-US" sz="1200" dirty="0">
-                <a:solidFill>
-                  <a:schemeClr val="tx1"/>
-                </a:solidFill>
-              </a:rPr>
-              <a:t>찾기</a:t>
-            </a:r>
-          </a:p>
-        </p:txBody>
-      </p:sp>
-      <p:sp>
-        <p:nvSpPr>
-          <p:cNvPr id="17" name="사각형: 둥근 모서리 16">
-            <a:extLst>
-              <a:ext uri="{FF2B5EF4-FFF2-40B4-BE49-F238E27FC236}">
-                <a16:creationId xmlns:a16="http://schemas.microsoft.com/office/drawing/2014/main" id="{6866954F-9E24-40BB-86C9-191B7717EF1E}"/>
-              </a:ext>
-            </a:extLst>
-          </p:cNvPr>
-          <p:cNvSpPr/>
-          <p:nvPr/>
-        </p:nvSpPr>
-        <p:spPr>
-          <a:xfrm>
-            <a:off x="7441665" y="3073683"/>
-            <a:ext cx="2643962" cy="710634"/>
-          </a:xfrm>
-          <a:prstGeom prst="roundRect">
-            <a:avLst/>
-          </a:prstGeom>
-          <a:solidFill>
-            <a:schemeClr val="accent2">
-              <a:lumMod val="60000"/>
-              <a:lumOff val="40000"/>
-            </a:schemeClr>
-          </a:solidFill>
-          <a:ln>
-            <a:noFill/>
-          </a:ln>
-        </p:spPr>
-        <p:style>
-          <a:lnRef idx="2">
-            <a:schemeClr val="accent1">
-              <a:shade val="50000"/>
-            </a:schemeClr>
-          </a:lnRef>
-          <a:fillRef idx="1">
-            <a:schemeClr val="accent1"/>
-          </a:fillRef>
-          <a:effectRef idx="0">
-            <a:schemeClr val="accent1"/>
-          </a:effectRef>
-          <a:fontRef idx="minor">
-            <a:schemeClr val="lt1"/>
-          </a:fontRef>
-        </p:style>
-        <p:txBody>
-          <a:bodyPr rtlCol="0" anchor="ctr"/>
-          <a:lstStyle/>
-          <a:p>
-            <a:pPr algn="ctr"/>
-            <a:r>
-              <a:rPr lang="ko-KR" altLang="en-US" sz="1200" dirty="0">
-                <a:solidFill>
-                  <a:schemeClr val="tx1"/>
-                </a:solidFill>
-              </a:rPr>
-              <a:t>일치한 </a:t>
-            </a:r>
-            <a:r>
-              <a:rPr lang="en-US" altLang="ko-KR" sz="1200" dirty="0">
-                <a:solidFill>
-                  <a:schemeClr val="tx1"/>
-                </a:solidFill>
-              </a:rPr>
-              <a:t>ID</a:t>
-            </a:r>
-            <a:r>
-              <a:rPr lang="ko-KR" altLang="en-US" sz="1200" dirty="0">
-                <a:solidFill>
-                  <a:schemeClr val="tx1"/>
-                </a:solidFill>
-              </a:rPr>
-              <a:t>에서 해당 값들을 추출</a:t>
-            </a:r>
-            <a:endParaRPr lang="en-US" altLang="ko-KR" sz="1200" dirty="0">
-              <a:solidFill>
-                <a:schemeClr val="tx1"/>
-              </a:solidFill>
-            </a:endParaRPr>
-          </a:p>
-          <a:p>
-            <a:pPr algn="ctr"/>
-            <a:r>
-              <a:rPr lang="en-US" altLang="ko-KR" sz="1200" dirty="0">
-                <a:solidFill>
-                  <a:schemeClr val="tx1"/>
-                </a:solidFill>
-              </a:rPr>
-              <a:t>(RSSI, Time)</a:t>
-            </a:r>
-            <a:endParaRPr lang="ko-KR" altLang="en-US" sz="1200" dirty="0">
-              <a:solidFill>
-                <a:schemeClr val="tx1"/>
-              </a:solidFill>
-            </a:endParaRPr>
-          </a:p>
-        </p:txBody>
-      </p:sp>
-      <p:sp>
-        <p:nvSpPr>
-          <p:cNvPr id="21" name="화살표: 아래쪽 20">
-            <a:extLst>
-              <a:ext uri="{FF2B5EF4-FFF2-40B4-BE49-F238E27FC236}">
-                <a16:creationId xmlns:a16="http://schemas.microsoft.com/office/drawing/2014/main" id="{A88671C1-83D7-42EB-A13B-DC8F0F566103}"/>
-              </a:ext>
-            </a:extLst>
-          </p:cNvPr>
-          <p:cNvSpPr/>
-          <p:nvPr/>
-        </p:nvSpPr>
-        <p:spPr>
-          <a:xfrm>
-            <a:off x="8559325" y="2676005"/>
-            <a:ext cx="330588" cy="384225"/>
-          </a:xfrm>
-          <a:prstGeom prst="downArrow">
-            <a:avLst/>
-          </a:prstGeom>
-          <a:noFill/>
-          <a:ln>
-            <a:solidFill>
-              <a:schemeClr val="tx1"/>
-            </a:solidFill>
-          </a:ln>
-        </p:spPr>
-        <p:style>
-          <a:lnRef idx="2">
-            <a:schemeClr val="accent1">
-              <a:shade val="50000"/>
-            </a:schemeClr>
-          </a:lnRef>
-          <a:fillRef idx="1">
-            <a:schemeClr val="accent1"/>
-          </a:fillRef>
-          <a:effectRef idx="0">
-            <a:schemeClr val="accent1"/>
-          </a:effectRef>
-          <a:fontRef idx="minor">
-            <a:schemeClr val="lt1"/>
-          </a:fontRef>
-        </p:style>
-        <p:txBody>
-          <a:bodyPr rtlCol="0" anchor="ctr"/>
-          <a:lstStyle/>
-          <a:p>
-            <a:pPr algn="ctr"/>
-            <a:endParaRPr lang="ko-KR" altLang="en-US" sz="1200"/>
-          </a:p>
-        </p:txBody>
-      </p:sp>
-      <p:sp>
-        <p:nvSpPr>
-          <p:cNvPr id="28" name="화살표: 아래쪽 27">
-            <a:extLst>
-              <a:ext uri="{FF2B5EF4-FFF2-40B4-BE49-F238E27FC236}">
-                <a16:creationId xmlns:a16="http://schemas.microsoft.com/office/drawing/2014/main" id="{AAA4AEE0-CE1B-4D62-907A-60C510F87948}"/>
-              </a:ext>
-            </a:extLst>
-          </p:cNvPr>
-          <p:cNvSpPr/>
-          <p:nvPr/>
-        </p:nvSpPr>
-        <p:spPr>
-          <a:xfrm rot="1800000">
-            <a:off x="7748784" y="3900488"/>
-            <a:ext cx="330588" cy="384225"/>
-          </a:xfrm>
-          <a:prstGeom prst="downArrow">
-            <a:avLst/>
-          </a:prstGeom>
-          <a:noFill/>
-          <a:ln>
-            <a:solidFill>
-              <a:schemeClr val="tx1"/>
-            </a:solidFill>
-          </a:ln>
-        </p:spPr>
-        <p:style>
-          <a:lnRef idx="2">
-            <a:schemeClr val="accent1">
-              <a:shade val="50000"/>
-            </a:schemeClr>
-          </a:lnRef>
-          <a:fillRef idx="1">
-            <a:schemeClr val="accent1"/>
-          </a:fillRef>
-          <a:effectRef idx="0">
-            <a:schemeClr val="accent1"/>
-          </a:effectRef>
-          <a:fontRef idx="minor">
-            <a:schemeClr val="lt1"/>
-          </a:fontRef>
-        </p:style>
-        <p:txBody>
-          <a:bodyPr rtlCol="0" anchor="ctr"/>
-          <a:lstStyle/>
-          <a:p>
-            <a:pPr algn="ctr"/>
-            <a:r>
-              <a:rPr lang="en-US" altLang="ko-KR" sz="1200" dirty="0">
-                <a:solidFill>
-                  <a:schemeClr val="tx1"/>
-                </a:solidFill>
-              </a:rPr>
-              <a:t>B</a:t>
-            </a:r>
-            <a:endParaRPr lang="ko-KR" altLang="en-US" sz="1200" dirty="0">
-              <a:solidFill>
-                <a:schemeClr val="tx1"/>
-              </a:solidFill>
-            </a:endParaRPr>
-          </a:p>
-        </p:txBody>
-      </p:sp>
-      <p:sp>
-        <p:nvSpPr>
-          <p:cNvPr id="29" name="사각형: 둥근 모서리 28">
-            <a:extLst>
-              <a:ext uri="{FF2B5EF4-FFF2-40B4-BE49-F238E27FC236}">
-                <a16:creationId xmlns:a16="http://schemas.microsoft.com/office/drawing/2014/main" id="{0281C4D7-26DA-47C9-B742-5C23E2C91EE9}"/>
-              </a:ext>
-            </a:extLst>
-          </p:cNvPr>
-          <p:cNvSpPr/>
-          <p:nvPr/>
-        </p:nvSpPr>
-        <p:spPr>
-          <a:xfrm>
-            <a:off x="6678950" y="4291555"/>
-            <a:ext cx="1791038" cy="710634"/>
-          </a:xfrm>
-          <a:prstGeom prst="roundRect">
-            <a:avLst/>
-          </a:prstGeom>
-          <a:solidFill>
-            <a:schemeClr val="accent4">
-              <a:lumMod val="60000"/>
-              <a:lumOff val="40000"/>
-            </a:schemeClr>
-          </a:solidFill>
-          <a:ln>
-            <a:noFill/>
-          </a:ln>
-        </p:spPr>
-        <p:style>
-          <a:lnRef idx="2">
-            <a:schemeClr val="accent1">
-              <a:shade val="50000"/>
-            </a:schemeClr>
-          </a:lnRef>
-          <a:fillRef idx="1">
-            <a:schemeClr val="accent1"/>
-          </a:fillRef>
-          <a:effectRef idx="0">
-            <a:schemeClr val="accent1"/>
-          </a:effectRef>
-          <a:fontRef idx="minor">
-            <a:schemeClr val="lt1"/>
-          </a:fontRef>
-        </p:style>
-        <p:txBody>
-          <a:bodyPr rtlCol="0" anchor="ctr"/>
-          <a:lstStyle/>
-          <a:p>
-            <a:pPr algn="ctr"/>
-            <a:r>
-              <a:rPr lang="ko-KR" altLang="en-US" sz="1200" dirty="0">
-                <a:solidFill>
-                  <a:schemeClr val="tx1"/>
-                </a:solidFill>
-              </a:rPr>
-              <a:t>타겟에 해당하는 </a:t>
-            </a:r>
-            <a:r>
-              <a:rPr lang="en-US" altLang="ko-KR" sz="1200" dirty="0">
-                <a:solidFill>
-                  <a:schemeClr val="tx1"/>
-                </a:solidFill>
-              </a:rPr>
-              <a:t>ID</a:t>
-            </a:r>
-            <a:r>
-              <a:rPr lang="ko-KR" altLang="en-US" sz="1200" dirty="0">
-                <a:solidFill>
-                  <a:schemeClr val="tx1"/>
-                </a:solidFill>
-              </a:rPr>
-              <a:t>의</a:t>
-            </a:r>
-            <a:endParaRPr lang="en-US" altLang="ko-KR" sz="1200" dirty="0">
-              <a:solidFill>
-                <a:schemeClr val="tx1"/>
-              </a:solidFill>
-            </a:endParaRPr>
-          </a:p>
-          <a:p>
-            <a:pPr algn="ctr"/>
-            <a:r>
-              <a:rPr lang="en-US" altLang="ko-KR" sz="1200" dirty="0">
-                <a:solidFill>
-                  <a:schemeClr val="tx1"/>
-                </a:solidFill>
-              </a:rPr>
-              <a:t>&lt;RSSI,</a:t>
-            </a:r>
-            <a:r>
-              <a:rPr lang="ko-KR" altLang="en-US" sz="1200" dirty="0">
-                <a:solidFill>
-                  <a:schemeClr val="tx1"/>
-                </a:solidFill>
-              </a:rPr>
-              <a:t> 인터벌</a:t>
-            </a:r>
-            <a:r>
-              <a:rPr lang="en-US" altLang="ko-KR" sz="1200" dirty="0">
-                <a:solidFill>
-                  <a:schemeClr val="tx1"/>
-                </a:solidFill>
-              </a:rPr>
-              <a:t>&gt;</a:t>
-            </a:r>
-          </a:p>
-          <a:p>
-            <a:pPr algn="ctr"/>
-            <a:r>
-              <a:rPr lang="ko-KR" altLang="en-US" sz="1200" dirty="0">
-                <a:solidFill>
-                  <a:schemeClr val="tx1"/>
-                </a:solidFill>
-              </a:rPr>
-              <a:t>평균 값 계산</a:t>
-            </a:r>
-            <a:endParaRPr lang="en-US" altLang="ko-KR" sz="1200" dirty="0">
-              <a:solidFill>
-                <a:schemeClr val="tx1"/>
-              </a:solidFill>
-            </a:endParaRPr>
-          </a:p>
-        </p:txBody>
-      </p:sp>
-      <p:sp>
-        <p:nvSpPr>
-          <p:cNvPr id="30" name="화살표: 아래쪽 29">
-            <a:extLst>
-              <a:ext uri="{FF2B5EF4-FFF2-40B4-BE49-F238E27FC236}">
-                <a16:creationId xmlns:a16="http://schemas.microsoft.com/office/drawing/2014/main" id="{A946FA78-91A2-4ADD-A772-B3AE58B125AF}"/>
-              </a:ext>
-            </a:extLst>
-          </p:cNvPr>
-          <p:cNvSpPr/>
-          <p:nvPr/>
-        </p:nvSpPr>
-        <p:spPr>
-          <a:xfrm rot="19800000">
-            <a:off x="9561783" y="3906381"/>
-            <a:ext cx="330588" cy="384225"/>
-          </a:xfrm>
-          <a:prstGeom prst="downArrow">
-            <a:avLst/>
-          </a:prstGeom>
-          <a:noFill/>
-          <a:ln>
-            <a:solidFill>
-              <a:schemeClr val="tx1"/>
-            </a:solidFill>
-          </a:ln>
-        </p:spPr>
-        <p:style>
-          <a:lnRef idx="2">
-            <a:schemeClr val="accent1">
-              <a:shade val="50000"/>
-            </a:schemeClr>
-          </a:lnRef>
-          <a:fillRef idx="1">
-            <a:schemeClr val="accent1"/>
-          </a:fillRef>
-          <a:effectRef idx="0">
-            <a:schemeClr val="accent1"/>
-          </a:effectRef>
-          <a:fontRef idx="minor">
-            <a:schemeClr val="lt1"/>
-          </a:fontRef>
-        </p:style>
-        <p:txBody>
-          <a:bodyPr rtlCol="0" anchor="ctr"/>
-          <a:lstStyle/>
-          <a:p>
-            <a:pPr algn="ctr"/>
-            <a:r>
-              <a:rPr lang="en-US" altLang="ko-KR" sz="1200" dirty="0">
-                <a:solidFill>
-                  <a:schemeClr val="tx1"/>
-                </a:solidFill>
-              </a:rPr>
-              <a:t>C</a:t>
-            </a:r>
-            <a:endParaRPr lang="ko-KR" altLang="en-US" sz="1200" dirty="0">
-              <a:solidFill>
-                <a:schemeClr val="tx1"/>
-              </a:solidFill>
-            </a:endParaRPr>
-          </a:p>
-        </p:txBody>
-      </p:sp>
-      <p:sp>
-        <p:nvSpPr>
-          <p:cNvPr id="31" name="사각형: 둥근 모서리 30">
-            <a:extLst>
-              <a:ext uri="{FF2B5EF4-FFF2-40B4-BE49-F238E27FC236}">
-                <a16:creationId xmlns:a16="http://schemas.microsoft.com/office/drawing/2014/main" id="{6B15D517-7C81-43D1-9A0F-94E397A48936}"/>
-              </a:ext>
-            </a:extLst>
-          </p:cNvPr>
-          <p:cNvSpPr/>
-          <p:nvPr/>
-        </p:nvSpPr>
-        <p:spPr>
-          <a:xfrm>
-            <a:off x="9013683" y="4327011"/>
-            <a:ext cx="2297344" cy="762161"/>
-          </a:xfrm>
-          <a:prstGeom prst="roundRect">
-            <a:avLst/>
-          </a:prstGeom>
-          <a:solidFill>
-            <a:schemeClr val="accent1">
-              <a:lumMod val="40000"/>
-              <a:lumOff val="60000"/>
-            </a:schemeClr>
-          </a:solidFill>
-          <a:ln>
-            <a:noFill/>
-          </a:ln>
-        </p:spPr>
-        <p:style>
-          <a:lnRef idx="2">
-            <a:schemeClr val="accent1">
-              <a:shade val="50000"/>
-            </a:schemeClr>
-          </a:lnRef>
-          <a:fillRef idx="1">
-            <a:schemeClr val="accent1"/>
-          </a:fillRef>
-          <a:effectRef idx="0">
-            <a:schemeClr val="accent1"/>
-          </a:effectRef>
-          <a:fontRef idx="minor">
-            <a:schemeClr val="lt1"/>
-          </a:fontRef>
-        </p:style>
-        <p:txBody>
-          <a:bodyPr rtlCol="0" anchor="ctr"/>
-          <a:lstStyle/>
-          <a:p>
-            <a:pPr algn="ctr"/>
-            <a:r>
-              <a:rPr lang="ko-KR" altLang="en-US" sz="1050" dirty="0">
-                <a:solidFill>
-                  <a:schemeClr val="tx1"/>
-                </a:solidFill>
-              </a:rPr>
-              <a:t>참조 </a:t>
-            </a:r>
-            <a:r>
-              <a:rPr lang="en-US" altLang="ko-KR" sz="1050" dirty="0">
-                <a:solidFill>
-                  <a:schemeClr val="tx1"/>
-                </a:solidFill>
-              </a:rPr>
-              <a:t>ID</a:t>
-            </a:r>
-            <a:r>
-              <a:rPr lang="ko-KR" altLang="en-US" sz="1050" dirty="0">
-                <a:solidFill>
-                  <a:schemeClr val="tx1"/>
-                </a:solidFill>
-              </a:rPr>
-              <a:t>와 타겟 </a:t>
-            </a:r>
-            <a:r>
-              <a:rPr lang="en-US" altLang="ko-KR" sz="1050" dirty="0">
-                <a:solidFill>
-                  <a:schemeClr val="tx1"/>
-                </a:solidFill>
-              </a:rPr>
-              <a:t>ID</a:t>
-            </a:r>
-            <a:r>
-              <a:rPr lang="ko-KR" altLang="en-US" sz="1050" dirty="0">
-                <a:solidFill>
-                  <a:schemeClr val="tx1"/>
-                </a:solidFill>
-              </a:rPr>
-              <a:t>의</a:t>
-            </a:r>
-            <a:endParaRPr lang="en-US" altLang="ko-KR" sz="1050" dirty="0">
-              <a:solidFill>
-                <a:schemeClr val="tx1"/>
-              </a:solidFill>
-            </a:endParaRPr>
-          </a:p>
-          <a:p>
-            <a:pPr algn="ctr"/>
-            <a:r>
-              <a:rPr lang="ko-KR" altLang="en-US" sz="1050" dirty="0">
-                <a:solidFill>
-                  <a:schemeClr val="tx1"/>
-                </a:solidFill>
-              </a:rPr>
-              <a:t>평균</a:t>
-            </a:r>
-            <a:r>
-              <a:rPr lang="en-US" altLang="ko-KR" sz="1050" dirty="0">
-                <a:solidFill>
-                  <a:schemeClr val="tx1"/>
-                </a:solidFill>
-              </a:rPr>
-              <a:t>RSSI </a:t>
-            </a:r>
-            <a:r>
-              <a:rPr lang="ko-KR" altLang="en-US" sz="1050" dirty="0">
-                <a:solidFill>
-                  <a:schemeClr val="tx1"/>
-                </a:solidFill>
-              </a:rPr>
-              <a:t>값</a:t>
-            </a:r>
-            <a:r>
-              <a:rPr lang="en-US" altLang="ko-KR" sz="1050" dirty="0">
-                <a:solidFill>
-                  <a:schemeClr val="tx1"/>
-                </a:solidFill>
-              </a:rPr>
-              <a:t> </a:t>
-            </a:r>
-            <a:r>
-              <a:rPr lang="ko-KR" altLang="en-US" sz="1050" dirty="0">
-                <a:solidFill>
-                  <a:schemeClr val="tx1"/>
-                </a:solidFill>
-              </a:rPr>
-              <a:t>비교하여 </a:t>
-            </a:r>
-            <a:endParaRPr lang="en-US" altLang="ko-KR" sz="1050" dirty="0">
-              <a:solidFill>
-                <a:schemeClr val="tx1"/>
-              </a:solidFill>
-            </a:endParaRPr>
-          </a:p>
-          <a:p>
-            <a:pPr algn="ctr"/>
-            <a:r>
-              <a:rPr lang="ko-KR" altLang="en-US" sz="1050" dirty="0">
-                <a:solidFill>
-                  <a:schemeClr val="tx1"/>
-                </a:solidFill>
-              </a:rPr>
-              <a:t>타겟</a:t>
-            </a:r>
-            <a:r>
-              <a:rPr lang="en-US" altLang="ko-KR" sz="1050" dirty="0">
-                <a:solidFill>
-                  <a:schemeClr val="tx1"/>
-                </a:solidFill>
-              </a:rPr>
-              <a:t> id</a:t>
-            </a:r>
-            <a:r>
-              <a:rPr lang="ko-KR" altLang="en-US" sz="1050" dirty="0">
-                <a:solidFill>
-                  <a:schemeClr val="tx1"/>
-                </a:solidFill>
-              </a:rPr>
-              <a:t>로 평균 값이 </a:t>
-            </a:r>
-            <a:endParaRPr lang="en-US" altLang="ko-KR" sz="1050" dirty="0">
-              <a:solidFill>
-                <a:schemeClr val="tx1"/>
-              </a:solidFill>
-            </a:endParaRPr>
-          </a:p>
-          <a:p>
-            <a:pPr algn="ctr"/>
-            <a:r>
-              <a:rPr lang="ko-KR" altLang="en-US" sz="1050" dirty="0">
-                <a:solidFill>
-                  <a:schemeClr val="tx1"/>
-                </a:solidFill>
-              </a:rPr>
-              <a:t>가까운 참조</a:t>
-            </a:r>
-            <a:r>
-              <a:rPr lang="en-US" altLang="ko-KR" sz="1050" dirty="0">
-                <a:solidFill>
-                  <a:schemeClr val="tx1"/>
-                </a:solidFill>
-              </a:rPr>
-              <a:t>ID </a:t>
-            </a:r>
-            <a:r>
-              <a:rPr lang="ko-KR" altLang="en-US" sz="1050" dirty="0">
-                <a:solidFill>
-                  <a:schemeClr val="tx1"/>
-                </a:solidFill>
-              </a:rPr>
-              <a:t>순으로 나열</a:t>
-            </a:r>
-            <a:endParaRPr lang="en-US" altLang="ko-KR" sz="1050" dirty="0">
-              <a:solidFill>
-                <a:schemeClr val="tx1"/>
-              </a:solidFill>
-            </a:endParaRPr>
-          </a:p>
-        </p:txBody>
-      </p:sp>
-      <p:sp>
-        <p:nvSpPr>
-          <p:cNvPr id="16" name="화살표: 아래쪽 15">
-            <a:extLst>
-              <a:ext uri="{FF2B5EF4-FFF2-40B4-BE49-F238E27FC236}">
-                <a16:creationId xmlns:a16="http://schemas.microsoft.com/office/drawing/2014/main" id="{F3419AC5-403B-46CD-BC2C-41F8BBFA8F6C}"/>
-              </a:ext>
-            </a:extLst>
-          </p:cNvPr>
-          <p:cNvSpPr/>
-          <p:nvPr/>
-        </p:nvSpPr>
-        <p:spPr>
-          <a:xfrm>
-            <a:off x="10194363" y="5136142"/>
-            <a:ext cx="330588" cy="384225"/>
-          </a:xfrm>
-          <a:prstGeom prst="downArrow">
-            <a:avLst/>
-          </a:prstGeom>
-          <a:noFill/>
-          <a:ln>
-            <a:solidFill>
-              <a:schemeClr val="tx1"/>
-            </a:solidFill>
-          </a:ln>
-        </p:spPr>
-        <p:style>
-          <a:lnRef idx="2">
-            <a:schemeClr val="accent1">
-              <a:shade val="50000"/>
-            </a:schemeClr>
-          </a:lnRef>
-          <a:fillRef idx="1">
-            <a:schemeClr val="accent1"/>
-          </a:fillRef>
-          <a:effectRef idx="0">
-            <a:schemeClr val="accent1"/>
-          </a:effectRef>
-          <a:fontRef idx="minor">
-            <a:schemeClr val="lt1"/>
-          </a:fontRef>
-        </p:style>
-        <p:txBody>
-          <a:bodyPr rtlCol="0" anchor="ctr"/>
-          <a:lstStyle/>
-          <a:p>
-            <a:pPr algn="ctr"/>
-            <a:endParaRPr lang="ko-KR" altLang="en-US" sz="1200"/>
-          </a:p>
-        </p:txBody>
-      </p:sp>
-      <p:sp>
-        <p:nvSpPr>
-          <p:cNvPr id="22" name="사각형: 둥근 모서리 21">
-            <a:extLst>
-              <a:ext uri="{FF2B5EF4-FFF2-40B4-BE49-F238E27FC236}">
-                <a16:creationId xmlns:a16="http://schemas.microsoft.com/office/drawing/2014/main" id="{E6519EE5-E7B0-4EF1-9AB5-F159F3093DD5}"/>
-              </a:ext>
-            </a:extLst>
-          </p:cNvPr>
-          <p:cNvSpPr/>
-          <p:nvPr/>
-        </p:nvSpPr>
-        <p:spPr>
-          <a:xfrm>
-            <a:off x="9204960" y="5566711"/>
-            <a:ext cx="2163667" cy="892335"/>
-          </a:xfrm>
-          <a:prstGeom prst="roundRect">
-            <a:avLst/>
-          </a:prstGeom>
-          <a:solidFill>
-            <a:schemeClr val="accent1">
-              <a:lumMod val="40000"/>
-              <a:lumOff val="60000"/>
-            </a:schemeClr>
-          </a:solidFill>
-          <a:ln>
-            <a:noFill/>
-          </a:ln>
-        </p:spPr>
-        <p:style>
-          <a:lnRef idx="2">
-            <a:schemeClr val="accent1">
-              <a:shade val="50000"/>
-            </a:schemeClr>
-          </a:lnRef>
-          <a:fillRef idx="1">
-            <a:schemeClr val="accent1"/>
-          </a:fillRef>
-          <a:effectRef idx="0">
-            <a:schemeClr val="accent1"/>
-          </a:effectRef>
-          <a:fontRef idx="minor">
-            <a:schemeClr val="lt1"/>
-          </a:fontRef>
-        </p:style>
-        <p:txBody>
-          <a:bodyPr rtlCol="0" anchor="ctr"/>
-          <a:lstStyle/>
-          <a:p>
-            <a:pPr algn="ctr"/>
-            <a:r>
-              <a:rPr lang="ko-KR" altLang="en-US" sz="1200" dirty="0">
-                <a:solidFill>
-                  <a:schemeClr val="tx1"/>
-                </a:solidFill>
-              </a:rPr>
-              <a:t>사용자로부터 참조할 값의 개수</a:t>
-            </a:r>
-            <a:r>
-              <a:rPr lang="en-US" altLang="ko-KR" sz="1200" dirty="0">
-                <a:solidFill>
-                  <a:schemeClr val="tx1"/>
-                </a:solidFill>
-              </a:rPr>
-              <a:t>(n)</a:t>
-            </a:r>
-            <a:r>
-              <a:rPr lang="ko-KR" altLang="en-US" sz="1200" dirty="0">
-                <a:solidFill>
-                  <a:schemeClr val="tx1"/>
-                </a:solidFill>
-              </a:rPr>
-              <a:t>을 입력 받아</a:t>
-            </a:r>
-            <a:endParaRPr lang="en-US" altLang="ko-KR" sz="1200" dirty="0">
-              <a:solidFill>
-                <a:schemeClr val="tx1"/>
-              </a:solidFill>
-            </a:endParaRPr>
-          </a:p>
-          <a:p>
-            <a:pPr algn="ctr"/>
-            <a:r>
-              <a:rPr lang="en-US" altLang="ko-KR" sz="1200" dirty="0">
-                <a:solidFill>
-                  <a:schemeClr val="tx1"/>
-                </a:solidFill>
-              </a:rPr>
-              <a:t>KNN</a:t>
-            </a:r>
-            <a:r>
-              <a:rPr lang="ko-KR" altLang="en-US" sz="1200" dirty="0">
-                <a:solidFill>
-                  <a:schemeClr val="tx1"/>
-                </a:solidFill>
-              </a:rPr>
-              <a:t>알고리즘으로</a:t>
-            </a:r>
-            <a:endParaRPr lang="en-US" altLang="ko-KR" sz="1200" dirty="0">
-              <a:solidFill>
-                <a:schemeClr val="tx1"/>
-              </a:solidFill>
-            </a:endParaRPr>
-          </a:p>
-          <a:p>
-            <a:pPr algn="ctr"/>
-            <a:r>
-              <a:rPr lang="ko-KR" altLang="en-US" sz="1200" dirty="0">
-                <a:solidFill>
-                  <a:schemeClr val="tx1"/>
-                </a:solidFill>
-              </a:rPr>
-              <a:t>예상 좌표 계산</a:t>
-            </a:r>
-            <a:endParaRPr lang="en-US" altLang="ko-KR" sz="1200" dirty="0">
-              <a:solidFill>
-                <a:schemeClr val="tx1"/>
-              </a:solidFill>
-            </a:endParaRPr>
-          </a:p>
-        </p:txBody>
-      </p:sp>
-      <p:sp>
-        <p:nvSpPr>
-          <p:cNvPr id="24" name="사각형: 둥근 모서리 23">
-            <a:extLst>
-              <a:ext uri="{FF2B5EF4-FFF2-40B4-BE49-F238E27FC236}">
-                <a16:creationId xmlns:a16="http://schemas.microsoft.com/office/drawing/2014/main" id="{90BA0F45-A9AB-4951-8D98-D6E535145EAD}"/>
-              </a:ext>
-            </a:extLst>
-          </p:cNvPr>
-          <p:cNvSpPr/>
-          <p:nvPr/>
-        </p:nvSpPr>
-        <p:spPr>
-          <a:xfrm>
-            <a:off x="3241663" y="890492"/>
-            <a:ext cx="2269781" cy="640491"/>
+            <a:off x="5504803" y="907596"/>
+            <a:ext cx="3540137" cy="881075"/>
           </a:xfrm>
           <a:prstGeom prst="roundRect">
             <a:avLst/>
@@ -5056,12 +4045,23 @@
           <a:p>
             <a:pPr algn="ctr"/>
             <a:r>
+              <a:rPr lang="en-US" altLang="ko-KR" sz="1200" dirty="0">
+                <a:solidFill>
+                  <a:schemeClr val="tx1"/>
+                </a:solidFill>
+              </a:rPr>
+              <a:t>&lt;1&gt;</a:t>
+            </a:r>
+          </a:p>
+          <a:p>
+            <a:pPr algn="ctr"/>
+            <a:r>
               <a:rPr lang="ko-KR" altLang="en-US" sz="1200" dirty="0">
                 <a:solidFill>
                   <a:schemeClr val="tx1"/>
                 </a:solidFill>
               </a:rPr>
-              <a:t>참조 데이터들에게서 </a:t>
+              <a:t>사용자의 집에서 전력소모가 제일 심한</a:t>
             </a:r>
             <a:endParaRPr lang="en-US" altLang="ko-KR" sz="1200" dirty="0">
               <a:solidFill>
@@ -5077,49 +4077,17 @@
                   <a:schemeClr val="tx1"/>
                 </a:solidFill>
               </a:rPr>
-              <a:t>각 </a:t>
-            </a:r>
-            <a:r>
-              <a:rPr lang="en-US" altLang="ko-KR" sz="1200" dirty="0">
-                <a:solidFill>
-                  <a:schemeClr val="tx1"/>
-                </a:solidFill>
-              </a:rPr>
-              <a:t>ID </a:t>
-            </a:r>
-            <a:r>
-              <a:rPr lang="ko-KR" altLang="en-US" sz="1200" dirty="0">
-                <a:solidFill>
-                  <a:schemeClr val="tx1"/>
-                </a:solidFill>
-              </a:rPr>
-              <a:t>매개 변수로</a:t>
-            </a:r>
-            <a:endParaRPr lang="en-US" altLang="ko-KR" sz="1200" dirty="0">
-              <a:solidFill>
-                <a:schemeClr val="tx1"/>
-              </a:solidFill>
-            </a:endParaRPr>
-          </a:p>
-          <a:p>
-            <a:pPr algn="ctr"/>
-            <a:r>
-              <a:rPr lang="ko-KR" altLang="en-US" sz="1200" dirty="0">
-                <a:solidFill>
-                  <a:schemeClr val="tx1"/>
-                </a:solidFill>
-              </a:rPr>
-              <a:t>하나씩 가져오기</a:t>
-            </a:r>
-          </a:p>
-        </p:txBody>
-      </p:sp>
-      <p:sp>
-        <p:nvSpPr>
-          <p:cNvPr id="25" name="화살표: 아래쪽 24">
-            <a:extLst>
-              <a:ext uri="{FF2B5EF4-FFF2-40B4-BE49-F238E27FC236}">
-                <a16:creationId xmlns:a16="http://schemas.microsoft.com/office/drawing/2014/main" id="{E6DB2EF2-1ABC-41E5-B283-44FEBB91F0CA}"/>
+              <a:t>곳을 출력</a:t>
+            </a:r>
+          </a:p>
+        </p:txBody>
+      </p:sp>
+      <p:sp>
+        <p:nvSpPr>
+          <p:cNvPr id="36" name="사각형: 둥근 모서리 35">
+            <a:extLst>
+              <a:ext uri="{FF2B5EF4-FFF2-40B4-BE49-F238E27FC236}">
+                <a16:creationId xmlns:a16="http://schemas.microsoft.com/office/drawing/2014/main" id="{F401993D-FED6-466F-A404-8D698EAA8ACE}"/>
               </a:ext>
             </a:extLst>
           </p:cNvPr>
@@ -5128,60 +4096,8 @@
         </p:nvSpPr>
         <p:spPr>
           <a:xfrm>
-            <a:off x="4226519" y="1541222"/>
-            <a:ext cx="330588" cy="384225"/>
-          </a:xfrm>
-          <a:prstGeom prst="downArrow">
-            <a:avLst/>
-          </a:prstGeom>
-          <a:noFill/>
-          <a:ln>
-            <a:solidFill>
-              <a:schemeClr val="tx1"/>
-            </a:solidFill>
-          </a:ln>
-        </p:spPr>
-        <p:style>
-          <a:lnRef idx="2">
-            <a:schemeClr val="accent1">
-              <a:shade val="50000"/>
-            </a:schemeClr>
-          </a:lnRef>
-          <a:fillRef idx="1">
-            <a:schemeClr val="accent1"/>
-          </a:fillRef>
-          <a:effectRef idx="0">
-            <a:schemeClr val="accent1"/>
-          </a:effectRef>
-          <a:fontRef idx="minor">
-            <a:schemeClr val="lt1"/>
-          </a:fontRef>
-        </p:style>
-        <p:txBody>
-          <a:bodyPr rtlCol="0" anchor="ctr"/>
-          <a:lstStyle/>
-          <a:p>
-            <a:pPr algn="ctr"/>
-            <a:endParaRPr lang="ko-KR" altLang="en-US" sz="1200"/>
-          </a:p>
-        </p:txBody>
-      </p:sp>
-      <p:sp>
-        <p:nvSpPr>
-          <p:cNvPr id="26" name="사각형: 둥근 모서리 25">
-            <a:extLst>
-              <a:ext uri="{FF2B5EF4-FFF2-40B4-BE49-F238E27FC236}">
-                <a16:creationId xmlns:a16="http://schemas.microsoft.com/office/drawing/2014/main" id="{3F3C43CD-8679-4627-8C5C-F6890CDBDD4A}"/>
-              </a:ext>
-            </a:extLst>
-          </p:cNvPr>
-          <p:cNvSpPr/>
-          <p:nvPr/>
-        </p:nvSpPr>
-        <p:spPr>
-          <a:xfrm>
-            <a:off x="3150151" y="1958712"/>
-            <a:ext cx="2483324" cy="710634"/>
+            <a:off x="5504802" y="1920756"/>
+            <a:ext cx="3540137" cy="1068335"/>
           </a:xfrm>
           <a:prstGeom prst="roundRect">
             <a:avLst/>
@@ -5218,28 +4134,23 @@
           <a:p>
             <a:pPr algn="ctr"/>
             <a:r>
+              <a:rPr lang="en-US" altLang="ko-KR" sz="1200" dirty="0">
+                <a:solidFill>
+                  <a:schemeClr val="tx1"/>
+                </a:solidFill>
+              </a:rPr>
+              <a:t>&lt;2&gt;</a:t>
+            </a:r>
+          </a:p>
+          <a:p>
+            <a:pPr algn="ctr"/>
+            <a:r>
               <a:rPr lang="ko-KR" altLang="en-US" sz="1200" dirty="0">
                 <a:solidFill>
                   <a:schemeClr val="tx1"/>
                 </a:solidFill>
               </a:rPr>
-              <a:t>매개 변수로 받아온 </a:t>
-            </a:r>
-            <a:r>
-              <a:rPr lang="en-US" altLang="ko-KR" sz="1200" dirty="0">
-                <a:solidFill>
-                  <a:schemeClr val="tx1"/>
-                </a:solidFill>
-              </a:rPr>
-              <a:t>ID</a:t>
-            </a:r>
-            <a:r>
-              <a:rPr lang="ko-KR" altLang="en-US" sz="1200" dirty="0">
-                <a:solidFill>
-                  <a:schemeClr val="tx1"/>
-                </a:solidFill>
-              </a:rPr>
-              <a:t>를</a:t>
+              <a:t>총 사용 전력을 알려줌</a:t>
             </a:r>
             <a:endParaRPr lang="en-US" altLang="ko-KR" sz="1200" dirty="0">
               <a:solidFill>
@@ -5255,15 +4166,18 @@
                   <a:schemeClr val="tx1"/>
                 </a:solidFill>
               </a:rPr>
-              <a:t>RFID.txt</a:t>
-            </a:r>
+              <a:t>+</a:t>
+            </a:r>
+          </a:p>
+          <a:p>
+            <a:pPr algn="ctr"/>
             <a:r>
               <a:rPr lang="ko-KR" altLang="en-US" sz="1200" dirty="0">
                 <a:solidFill>
                   <a:schemeClr val="tx1"/>
                 </a:solidFill>
               </a:rPr>
-              <a:t>와 동일한 </a:t>
+              <a:t>사용자의 집 전력 사용 소모가 해당 동의 평균과 비교하여 이상</a:t>
             </a:r>
             <a:r>
               <a:rPr lang="en-US" altLang="ko-KR" sz="1200" dirty="0">
@@ -5271,7 +4185,7 @@
                   <a:schemeClr val="tx1"/>
                 </a:solidFill>
               </a:rPr>
-              <a:t>ID</a:t>
+              <a:t>,</a:t>
             </a:r>
             <a:r>
               <a:rPr lang="ko-KR" altLang="en-US" sz="1200" dirty="0">
@@ -5279,7 +4193,7 @@
                   <a:schemeClr val="tx1"/>
                 </a:solidFill>
               </a:rPr>
-              <a:t>를 찾아</a:t>
+              <a:t>이하 출력</a:t>
             </a:r>
             <a:endParaRPr lang="en-US" altLang="ko-KR" sz="1200" dirty="0">
               <a:solidFill>
@@ -5287,30 +4201,14 @@
               </a:solidFill>
             </a:endParaRPr>
           </a:p>
-          <a:p>
-            <a:pPr algn="ctr"/>
-            <a:r>
-              <a:rPr lang="ko-KR" altLang="en-US" sz="1200" dirty="0">
-                <a:solidFill>
-                  <a:schemeClr val="tx1"/>
-                </a:solidFill>
-              </a:rPr>
-              <a:t>문자열을 가져옴</a:t>
-            </a:r>
-            <a:endParaRPr lang="en-US" altLang="ko-KR" sz="1200" dirty="0">
-              <a:solidFill>
-                <a:schemeClr val="tx1"/>
-              </a:solidFill>
-            </a:endParaRPr>
-          </a:p>
-        </p:txBody>
-      </p:sp>
-      <p:sp>
-        <p:nvSpPr>
-          <p:cNvPr id="27" name="화살표: 아래쪽 26">
-            <a:extLst>
-              <a:ext uri="{FF2B5EF4-FFF2-40B4-BE49-F238E27FC236}">
-                <a16:creationId xmlns:a16="http://schemas.microsoft.com/office/drawing/2014/main" id="{AC887E7B-3427-421E-AEF7-38EA0C7D970E}"/>
+        </p:txBody>
+      </p:sp>
+      <p:sp>
+        <p:nvSpPr>
+          <p:cNvPr id="37" name="사각형: 둥근 모서리 36">
+            <a:extLst>
+              <a:ext uri="{FF2B5EF4-FFF2-40B4-BE49-F238E27FC236}">
+                <a16:creationId xmlns:a16="http://schemas.microsoft.com/office/drawing/2014/main" id="{2BF51CE3-CA3E-4C52-87DD-C1DB162DC31F}"/>
               </a:ext>
             </a:extLst>
           </p:cNvPr>
@@ -5319,60 +4217,8 @@
         </p:nvSpPr>
         <p:spPr>
           <a:xfrm>
-            <a:off x="4226519" y="2676005"/>
-            <a:ext cx="330588" cy="384225"/>
-          </a:xfrm>
-          <a:prstGeom prst="downArrow">
-            <a:avLst/>
-          </a:prstGeom>
-          <a:noFill/>
-          <a:ln>
-            <a:solidFill>
-              <a:schemeClr val="tx1"/>
-            </a:solidFill>
-          </a:ln>
-        </p:spPr>
-        <p:style>
-          <a:lnRef idx="2">
-            <a:schemeClr val="accent1">
-              <a:shade val="50000"/>
-            </a:schemeClr>
-          </a:lnRef>
-          <a:fillRef idx="1">
-            <a:schemeClr val="accent1"/>
-          </a:fillRef>
-          <a:effectRef idx="0">
-            <a:schemeClr val="accent1"/>
-          </a:effectRef>
-          <a:fontRef idx="minor">
-            <a:schemeClr val="lt1"/>
-          </a:fontRef>
-        </p:style>
-        <p:txBody>
-          <a:bodyPr rtlCol="0" anchor="ctr"/>
-          <a:lstStyle/>
-          <a:p>
-            <a:pPr algn="ctr"/>
-            <a:endParaRPr lang="ko-KR" altLang="en-US" sz="1200"/>
-          </a:p>
-        </p:txBody>
-      </p:sp>
-      <p:sp>
-        <p:nvSpPr>
-          <p:cNvPr id="32" name="사각형: 둥근 모서리 31">
-            <a:extLst>
-              <a:ext uri="{FF2B5EF4-FFF2-40B4-BE49-F238E27FC236}">
-                <a16:creationId xmlns:a16="http://schemas.microsoft.com/office/drawing/2014/main" id="{F5A19D5B-DF59-45C5-BE4C-BD80315935A8}"/>
-              </a:ext>
-            </a:extLst>
-          </p:cNvPr>
-          <p:cNvSpPr/>
-          <p:nvPr/>
-        </p:nvSpPr>
-        <p:spPr>
-          <a:xfrm>
-            <a:off x="3000670" y="3073683"/>
-            <a:ext cx="2643962" cy="710634"/>
+            <a:off x="5504803" y="3121176"/>
+            <a:ext cx="3540137" cy="881075"/>
           </a:xfrm>
           <a:prstGeom prst="roundRect">
             <a:avLst/>
@@ -5409,28 +4255,23 @@
           <a:p>
             <a:pPr algn="ctr"/>
             <a:r>
+              <a:rPr lang="en-US" altLang="ko-KR" sz="1200" dirty="0">
+                <a:solidFill>
+                  <a:schemeClr val="tx1"/>
+                </a:solidFill>
+              </a:rPr>
+              <a:t>&lt;3&gt;</a:t>
+            </a:r>
+          </a:p>
+          <a:p>
+            <a:pPr algn="ctr"/>
+            <a:r>
               <a:rPr lang="ko-KR" altLang="en-US" sz="1200" dirty="0">
                 <a:solidFill>
                   <a:schemeClr val="tx1"/>
                 </a:solidFill>
               </a:rPr>
-              <a:t>일치한 </a:t>
-            </a:r>
-            <a:r>
-              <a:rPr lang="en-US" altLang="ko-KR" sz="1200" dirty="0">
-                <a:solidFill>
-                  <a:schemeClr val="tx1"/>
-                </a:solidFill>
-              </a:rPr>
-              <a:t>ID</a:t>
-            </a:r>
-            <a:r>
-              <a:rPr lang="ko-KR" altLang="en-US" sz="1200" dirty="0">
-                <a:solidFill>
-                  <a:schemeClr val="tx1"/>
-                </a:solidFill>
-              </a:rPr>
-              <a:t>에서 해당 값들을 추출</a:t>
+              <a:t>사용자의 활동 패턴을 분석하여 출력</a:t>
             </a:r>
             <a:endParaRPr lang="en-US" altLang="ko-KR" sz="1200" dirty="0">
               <a:solidFill>
@@ -5438,30 +4279,14 @@
               </a:solidFill>
             </a:endParaRPr>
           </a:p>
-          <a:p>
-            <a:pPr algn="ctr"/>
-            <a:r>
-              <a:rPr lang="en-US" altLang="ko-KR" sz="1200" dirty="0">
-                <a:solidFill>
-                  <a:schemeClr val="tx1"/>
-                </a:solidFill>
-              </a:rPr>
-              <a:t>(RSSI, Time)</a:t>
-            </a:r>
-            <a:endParaRPr lang="ko-KR" altLang="en-US" sz="1200" dirty="0">
-              <a:solidFill>
-                <a:schemeClr val="tx1"/>
-              </a:solidFill>
-            </a:endParaRPr>
-          </a:p>
-        </p:txBody>
-      </p:sp>
-      <p:sp>
-        <p:nvSpPr>
-          <p:cNvPr id="33" name="화살표: 아래쪽 32">
-            <a:extLst>
-              <a:ext uri="{FF2B5EF4-FFF2-40B4-BE49-F238E27FC236}">
-                <a16:creationId xmlns:a16="http://schemas.microsoft.com/office/drawing/2014/main" id="{1DD2016C-7E38-46E1-B4C1-8C648F537235}"/>
+        </p:txBody>
+      </p:sp>
+      <p:sp>
+        <p:nvSpPr>
+          <p:cNvPr id="38" name="사각형: 둥근 모서리 37">
+            <a:extLst>
+              <a:ext uri="{FF2B5EF4-FFF2-40B4-BE49-F238E27FC236}">
+                <a16:creationId xmlns:a16="http://schemas.microsoft.com/office/drawing/2014/main" id="{209F7BAC-7E64-4408-9915-A0A7B5F51A18}"/>
               </a:ext>
             </a:extLst>
           </p:cNvPr>
@@ -5470,72 +4295,8 @@
         </p:nvSpPr>
         <p:spPr>
           <a:xfrm>
-            <a:off x="4186541" y="3907330"/>
-            <a:ext cx="330588" cy="384225"/>
-          </a:xfrm>
-          <a:prstGeom prst="downArrow">
-            <a:avLst/>
-          </a:prstGeom>
-          <a:noFill/>
-          <a:ln>
-            <a:solidFill>
-              <a:schemeClr val="tx1"/>
-            </a:solidFill>
-          </a:ln>
-        </p:spPr>
-        <p:style>
-          <a:lnRef idx="2">
-            <a:schemeClr val="accent1">
-              <a:shade val="50000"/>
-            </a:schemeClr>
-          </a:lnRef>
-          <a:fillRef idx="1">
-            <a:schemeClr val="accent1"/>
-          </a:fillRef>
-          <a:effectRef idx="0">
-            <a:schemeClr val="accent1"/>
-          </a:effectRef>
-          <a:fontRef idx="minor">
-            <a:schemeClr val="lt1"/>
-          </a:fontRef>
-        </p:style>
-        <p:txBody>
-          <a:bodyPr rtlCol="0" anchor="ctr"/>
-          <a:lstStyle/>
-          <a:p>
-            <a:pPr algn="ctr"/>
-            <a:r>
-              <a:rPr lang="en-US" altLang="ko-KR" sz="1200" dirty="0">
-                <a:solidFill>
-                  <a:schemeClr val="tx1"/>
-                </a:solidFill>
-              </a:rPr>
-              <a:t>A</a:t>
-            </a:r>
-            <a:endParaRPr lang="ko-KR" altLang="en-US" sz="1200" dirty="0">
-              <a:solidFill>
-                <a:schemeClr val="tx1"/>
-              </a:solidFill>
-            </a:endParaRPr>
-          </a:p>
-        </p:txBody>
-      </p:sp>
-      <p:sp>
-        <p:nvSpPr>
-          <p:cNvPr id="34" name="사각형: 둥근 모서리 33">
-            <a:extLst>
-              <a:ext uri="{FF2B5EF4-FFF2-40B4-BE49-F238E27FC236}">
-                <a16:creationId xmlns:a16="http://schemas.microsoft.com/office/drawing/2014/main" id="{1306C121-88C8-4732-A2C8-987C8589B25F}"/>
-              </a:ext>
-            </a:extLst>
-          </p:cNvPr>
-          <p:cNvSpPr/>
-          <p:nvPr/>
-        </p:nvSpPr>
-        <p:spPr>
-          <a:xfrm>
-            <a:off x="3214099" y="4398446"/>
-            <a:ext cx="2297345" cy="710634"/>
+            <a:off x="5504803" y="5147496"/>
+            <a:ext cx="3540137" cy="881075"/>
           </a:xfrm>
           <a:prstGeom prst="roundRect">
             <a:avLst/>
@@ -5572,12 +4333,42 @@
           <a:p>
             <a:pPr algn="ctr"/>
             <a:r>
+              <a:rPr lang="en-US" altLang="ko-KR" sz="1200" dirty="0">
+                <a:solidFill>
+                  <a:schemeClr val="tx1"/>
+                </a:solidFill>
+              </a:rPr>
+              <a:t>&lt;0&gt;</a:t>
+            </a:r>
+          </a:p>
+          <a:p>
+            <a:pPr algn="ctr"/>
+            <a:r>
+              <a:rPr lang="en-US" altLang="ko-KR" sz="1200" dirty="0">
+                <a:solidFill>
+                  <a:schemeClr val="tx1"/>
+                </a:solidFill>
+              </a:rPr>
+              <a:t>Quit</a:t>
+            </a:r>
+          </a:p>
+          <a:p>
+            <a:pPr algn="ctr"/>
+            <a:r>
+              <a:rPr lang="en-US" altLang="ko-KR" sz="1200" dirty="0">
+                <a:solidFill>
+                  <a:schemeClr val="tx1"/>
+                </a:solidFill>
+              </a:rPr>
+              <a:t>(</a:t>
+            </a:r>
+            <a:r>
               <a:rPr lang="ko-KR" altLang="en-US" sz="1200" dirty="0">
                 <a:solidFill>
                   <a:schemeClr val="tx1"/>
                 </a:solidFill>
               </a:rPr>
-              <a:t>참조 데이터에 해당하는 </a:t>
+              <a:t>종료</a:t>
             </a:r>
             <a:r>
               <a:rPr lang="en-US" altLang="ko-KR" sz="1200" dirty="0">
@@ -5585,15 +4376,233 @@
                   <a:schemeClr val="tx1"/>
                 </a:solidFill>
               </a:rPr>
-              <a:t>ID</a:t>
-            </a:r>
+              <a:t>)</a:t>
+            </a:r>
+            <a:endParaRPr lang="ko-KR" altLang="en-US" sz="1200" dirty="0">
+              <a:solidFill>
+                <a:schemeClr val="tx1"/>
+              </a:solidFill>
+            </a:endParaRPr>
+          </a:p>
+        </p:txBody>
+      </p:sp>
+      <p:sp>
+        <p:nvSpPr>
+          <p:cNvPr id="2" name="타원 1">
+            <a:extLst>
+              <a:ext uri="{FF2B5EF4-FFF2-40B4-BE49-F238E27FC236}">
+                <a16:creationId xmlns:a16="http://schemas.microsoft.com/office/drawing/2014/main" id="{A84BBA41-3592-A012-FF9C-A81993BB731E}"/>
+              </a:ext>
+            </a:extLst>
+          </p:cNvPr>
+          <p:cNvSpPr/>
+          <p:nvPr/>
+        </p:nvSpPr>
+        <p:spPr>
+          <a:xfrm>
+            <a:off x="1193093" y="1026769"/>
+            <a:ext cx="1296793" cy="829776"/>
+          </a:xfrm>
+          <a:prstGeom prst="ellipse">
+            <a:avLst/>
+          </a:prstGeom>
+          <a:noFill/>
+          <a:ln>
+            <a:solidFill>
+              <a:schemeClr val="tx1"/>
+            </a:solidFill>
+          </a:ln>
+        </p:spPr>
+        <p:style>
+          <a:lnRef idx="2">
+            <a:schemeClr val="accent1">
+              <a:shade val="50000"/>
+            </a:schemeClr>
+          </a:lnRef>
+          <a:fillRef idx="1">
+            <a:schemeClr val="accent1"/>
+          </a:fillRef>
+          <a:effectRef idx="0">
+            <a:schemeClr val="accent1"/>
+          </a:effectRef>
+          <a:fontRef idx="minor">
+            <a:schemeClr val="lt1"/>
+          </a:fontRef>
+        </p:style>
+        <p:txBody>
+          <a:bodyPr rtlCol="0" anchor="ctr"/>
+          <a:lstStyle/>
+          <a:p>
+            <a:pPr algn="ctr"/>
+            <a:r>
+              <a:rPr lang="ko-KR" altLang="en-US" dirty="0">
+                <a:solidFill>
+                  <a:schemeClr val="tx1"/>
+                </a:solidFill>
+              </a:rPr>
+              <a:t>로그인</a:t>
+            </a:r>
+          </a:p>
+        </p:txBody>
+      </p:sp>
+      <p:cxnSp>
+        <p:nvCxnSpPr>
+          <p:cNvPr id="6" name="연결선: 꺾임 5">
+            <a:extLst>
+              <a:ext uri="{FF2B5EF4-FFF2-40B4-BE49-F238E27FC236}">
+                <a16:creationId xmlns:a16="http://schemas.microsoft.com/office/drawing/2014/main" id="{3F72A19F-C7D7-B2A6-5CF1-5676E86E7FDB}"/>
+              </a:ext>
+            </a:extLst>
+          </p:cNvPr>
+          <p:cNvCxnSpPr>
+            <a:stCxn id="2" idx="6"/>
+            <a:endCxn id="8" idx="1"/>
+          </p:cNvCxnSpPr>
+          <p:nvPr/>
+        </p:nvCxnSpPr>
+        <p:spPr>
+          <a:xfrm>
+            <a:off x="2489886" y="1441657"/>
+            <a:ext cx="710514" cy="561428"/>
+          </a:xfrm>
+          <a:prstGeom prst="bentConnector3">
+            <a:avLst/>
+          </a:prstGeom>
+          <a:ln>
+            <a:tailEnd type="triangle"/>
+          </a:ln>
+        </p:spPr>
+        <p:style>
+          <a:lnRef idx="1">
+            <a:schemeClr val="accent1"/>
+          </a:lnRef>
+          <a:fillRef idx="0">
+            <a:schemeClr val="accent1"/>
+          </a:fillRef>
+          <a:effectRef idx="0">
+            <a:schemeClr val="accent1"/>
+          </a:effectRef>
+          <a:fontRef idx="minor">
+            <a:schemeClr val="tx1"/>
+          </a:fontRef>
+        </p:style>
+      </p:cxnSp>
+      <p:cxnSp>
+        <p:nvCxnSpPr>
+          <p:cNvPr id="14" name="연결선: 꺾임 13">
+            <a:extLst>
+              <a:ext uri="{FF2B5EF4-FFF2-40B4-BE49-F238E27FC236}">
+                <a16:creationId xmlns:a16="http://schemas.microsoft.com/office/drawing/2014/main" id="{20FE552E-909F-EB68-0CD5-DFC53E7421B1}"/>
+              </a:ext>
+            </a:extLst>
+          </p:cNvPr>
+          <p:cNvCxnSpPr>
+            <a:cxnSpLocks/>
+            <a:stCxn id="7" idx="3"/>
+            <a:endCxn id="2" idx="2"/>
+          </p:cNvCxnSpPr>
+          <p:nvPr/>
+        </p:nvCxnSpPr>
+        <p:spPr>
+          <a:xfrm flipH="1" flipV="1">
+            <a:off x="1193093" y="1441657"/>
+            <a:ext cx="956649" cy="1776629"/>
+          </a:xfrm>
+          <a:prstGeom prst="bentConnector5">
+            <a:avLst>
+              <a:gd name="adj1" fmla="val -23896"/>
+              <a:gd name="adj2" fmla="val 57895"/>
+              <a:gd name="adj3" fmla="val 123896"/>
+            </a:avLst>
+          </a:prstGeom>
+          <a:ln>
+            <a:tailEnd type="triangle"/>
+          </a:ln>
+        </p:spPr>
+        <p:style>
+          <a:lnRef idx="1">
+            <a:schemeClr val="accent1"/>
+          </a:lnRef>
+          <a:fillRef idx="0">
+            <a:schemeClr val="accent1"/>
+          </a:fillRef>
+          <a:effectRef idx="0">
+            <a:schemeClr val="accent1"/>
+          </a:effectRef>
+          <a:fontRef idx="minor">
+            <a:schemeClr val="tx1"/>
+          </a:fontRef>
+        </p:style>
+      </p:cxnSp>
+      <p:sp>
+        <p:nvSpPr>
+          <p:cNvPr id="17" name="사각형: 둥근 모서리 16">
+            <a:extLst>
+              <a:ext uri="{FF2B5EF4-FFF2-40B4-BE49-F238E27FC236}">
+                <a16:creationId xmlns:a16="http://schemas.microsoft.com/office/drawing/2014/main" id="{CD2251E2-5B86-94E4-8920-634E442EDA63}"/>
+              </a:ext>
+            </a:extLst>
+          </p:cNvPr>
+          <p:cNvSpPr/>
+          <p:nvPr/>
+        </p:nvSpPr>
+        <p:spPr>
+          <a:xfrm>
+            <a:off x="5504803" y="4134336"/>
+            <a:ext cx="3540137" cy="881075"/>
+          </a:xfrm>
+          <a:prstGeom prst="roundRect">
+            <a:avLst/>
+          </a:prstGeom>
+          <a:solidFill>
+            <a:schemeClr val="accent3">
+              <a:lumMod val="60000"/>
+              <a:lumOff val="40000"/>
+            </a:schemeClr>
+          </a:solidFill>
+          <a:ln>
+            <a:noFill/>
+          </a:ln>
+        </p:spPr>
+        <p:style>
+          <a:lnRef idx="2">
+            <a:schemeClr val="accent1">
+              <a:shade val="50000"/>
+            </a:schemeClr>
+          </a:lnRef>
+          <a:fillRef idx="1">
+            <a:schemeClr val="accent1"/>
+          </a:fillRef>
+          <a:effectRef idx="0">
+            <a:schemeClr val="accent1"/>
+          </a:effectRef>
+          <a:fontRef idx="minor">
+            <a:schemeClr val="lt1"/>
+          </a:fontRef>
+        </p:style>
+        <p:txBody>
+          <a:bodyPr rtlCol="0" anchor="ctr"/>
+          <a:lstStyle/>
+          <a:p>
+            <a:pPr algn="ctr"/>
+            <a:r>
+              <a:rPr lang="en-US" altLang="ko-KR" sz="1200" dirty="0">
+                <a:solidFill>
+                  <a:schemeClr val="tx1"/>
+                </a:solidFill>
+              </a:rPr>
+              <a:t>&lt;4&gt;</a:t>
+            </a:r>
+          </a:p>
+          <a:p>
+            <a:pPr algn="ctr"/>
             <a:r>
               <a:rPr lang="ko-KR" altLang="en-US" sz="1200" dirty="0">
                 <a:solidFill>
                   <a:schemeClr val="tx1"/>
                 </a:solidFill>
               </a:rPr>
-              <a:t>의</a:t>
+              <a:t>사용자의 활동패턴에서 전력이 낭비되고 있는</a:t>
             </a:r>
             <a:endParaRPr lang="en-US" altLang="ko-KR" sz="1200" dirty="0">
               <a:solidFill>
@@ -5604,12 +4613,20 @@
           <a:p>
             <a:pPr algn="ctr"/>
             <a:r>
+              <a:rPr lang="ko-KR" altLang="en-US" sz="1200" dirty="0">
+                <a:solidFill>
+                  <a:schemeClr val="tx1"/>
+                </a:solidFill>
+              </a:rPr>
+              <a:t>기기 분석하여 출력</a:t>
+            </a:r>
+            <a:r>
               <a:rPr lang="en-US" altLang="ko-KR" sz="1200" dirty="0">
                 <a:solidFill>
                   <a:schemeClr val="tx1"/>
                 </a:solidFill>
               </a:rPr>
-              <a:t>&lt;RSSI,</a:t>
+              <a:t>(</a:t>
             </a:r>
             <a:r>
               <a:rPr lang="ko-KR" altLang="en-US" sz="1200" dirty="0">
@@ -5617,7 +4634,7 @@
                   <a:schemeClr val="tx1"/>
                 </a:solidFill>
               </a:rPr>
-              <a:t> 인터벌</a:t>
+              <a:t>각 방</a:t>
             </a:r>
             <a:r>
               <a:rPr lang="en-US" altLang="ko-KR" sz="1200" dirty="0">
@@ -5625,31 +4642,31 @@
                   <a:schemeClr val="tx1"/>
                 </a:solidFill>
               </a:rPr>
-              <a:t>&gt;</a:t>
-            </a:r>
-          </a:p>
-          <a:p>
-            <a:pPr algn="ctr"/>
+              <a:t> </a:t>
+            </a:r>
             <a:r>
               <a:rPr lang="ko-KR" altLang="en-US" sz="1200" dirty="0">
                 <a:solidFill>
                   <a:schemeClr val="tx1"/>
                 </a:solidFill>
               </a:rPr>
-              <a:t>평균 값 계산</a:t>
-            </a:r>
-            <a:endParaRPr lang="en-US" altLang="ko-KR" sz="1200" dirty="0">
-              <a:solidFill>
-                <a:schemeClr val="tx1"/>
-              </a:solidFill>
-            </a:endParaRPr>
+              <a:t>분석</a:t>
+            </a:r>
+            <a:r>
+              <a:rPr lang="en-US" altLang="ko-KR" sz="1200" dirty="0">
+                <a:solidFill>
+                  <a:schemeClr val="tx1"/>
+                </a:solidFill>
+              </a:rPr>
+              <a:t>)</a:t>
+            </a:r>
           </a:p>
         </p:txBody>
       </p:sp>
     </p:spTree>
     <p:extLst>
       <p:ext uri="{BB962C8B-B14F-4D97-AF65-F5344CB8AC3E}">
-        <p14:creationId xmlns:p14="http://schemas.microsoft.com/office/powerpoint/2010/main" val="3088632831"/>
+        <p14:creationId xmlns:p14="http://schemas.microsoft.com/office/powerpoint/2010/main" val="3533706666"/>
       </p:ext>
     </p:extLst>
   </p:cSld>
@@ -5690,8 +4707,8 @@
         </p:nvSpPr>
         <p:spPr>
           <a:xfrm>
-            <a:off x="4366260" y="466726"/>
-            <a:ext cx="5935980" cy="6134098"/>
+            <a:off x="2800349" y="466726"/>
+            <a:ext cx="9163049" cy="6134098"/>
           </a:xfrm>
           <a:prstGeom prst="rect">
             <a:avLst/>
@@ -5782,12 +4799,16 @@
           <a:p>
             <a:pPr algn="ctr"/>
             <a:r>
+              <a:rPr lang="en-US" altLang="ko-KR" dirty="0" err="1"/>
+              <a:t>IOT_Data</a:t>
+            </a:r>
+            <a:r>
               <a:rPr lang="en-US" altLang="ko-KR" dirty="0"/>
-              <a:t>RFID </a:t>
+              <a:t> Analyze </a:t>
             </a:r>
             <a:r>
               <a:rPr lang="ko-KR" altLang="en-US" dirty="0"/>
-              <a:t>데이터 분석 프로그램</a:t>
+              <a:t>시스템</a:t>
             </a:r>
           </a:p>
         </p:txBody>
@@ -5814,7 +4835,7 @@
         </p:blipFill>
         <p:spPr>
           <a:xfrm>
-            <a:off x="1666220" y="2431339"/>
+            <a:off x="219066" y="2431339"/>
             <a:ext cx="1390802" cy="1390802"/>
           </a:xfrm>
           <a:prstGeom prst="rect">
@@ -5836,7 +4857,7 @@
         </p:nvSpPr>
         <p:spPr>
           <a:xfrm>
-            <a:off x="3057022" y="1771655"/>
+            <a:off x="1609868" y="1771655"/>
             <a:ext cx="1190481" cy="838200"/>
           </a:xfrm>
           <a:prstGeom prst="rightArrow">
@@ -5914,7 +4935,7 @@
         </p:nvSpPr>
         <p:spPr>
           <a:xfrm>
-            <a:off x="3057022" y="3364941"/>
+            <a:off x="1609868" y="3364941"/>
             <a:ext cx="1190481" cy="838200"/>
           </a:xfrm>
           <a:prstGeom prst="leftArrow">
@@ -5964,10 +4985,10 @@
       </p:sp>
       <p:sp>
         <p:nvSpPr>
-          <p:cNvPr id="35" name="사각형: 둥근 모서리 34">
-            <a:extLst>
-              <a:ext uri="{FF2B5EF4-FFF2-40B4-BE49-F238E27FC236}">
-                <a16:creationId xmlns:a16="http://schemas.microsoft.com/office/drawing/2014/main" id="{B9658C61-17C4-4ACA-972C-2812EFA28105}"/>
+          <p:cNvPr id="18" name="사각형: 둥근 모서리 17">
+            <a:extLst>
+              <a:ext uri="{FF2B5EF4-FFF2-40B4-BE49-F238E27FC236}">
+                <a16:creationId xmlns:a16="http://schemas.microsoft.com/office/drawing/2014/main" id="{B030B970-A09D-4B2B-A1F6-59B6060133E9}"/>
               </a:ext>
             </a:extLst>
           </p:cNvPr>
@@ -5976,8 +4997,1047 @@
         </p:nvSpPr>
         <p:spPr>
           <a:xfrm>
-            <a:off x="5504803" y="1222604"/>
-            <a:ext cx="3540137" cy="881075"/>
+            <a:off x="7574469" y="890492"/>
+            <a:ext cx="2269781" cy="640491"/>
+          </a:xfrm>
+          <a:prstGeom prst="roundRect">
+            <a:avLst/>
+          </a:prstGeom>
+          <a:solidFill>
+            <a:schemeClr val="accent2">
+              <a:lumMod val="60000"/>
+              <a:lumOff val="40000"/>
+            </a:schemeClr>
+          </a:solidFill>
+          <a:ln>
+            <a:noFill/>
+          </a:ln>
+        </p:spPr>
+        <p:style>
+          <a:lnRef idx="2">
+            <a:schemeClr val="accent1">
+              <a:shade val="50000"/>
+            </a:schemeClr>
+          </a:lnRef>
+          <a:fillRef idx="1">
+            <a:schemeClr val="accent1"/>
+          </a:fillRef>
+          <a:effectRef idx="0">
+            <a:schemeClr val="accent1"/>
+          </a:effectRef>
+          <a:fontRef idx="minor">
+            <a:schemeClr val="lt1"/>
+          </a:fontRef>
+        </p:style>
+        <p:txBody>
+          <a:bodyPr rtlCol="0" anchor="ctr"/>
+          <a:lstStyle/>
+          <a:p>
+            <a:pPr algn="ctr"/>
+            <a:r>
+              <a:rPr lang="ko-KR" altLang="en-US" sz="1200" dirty="0">
+                <a:solidFill>
+                  <a:schemeClr val="tx1"/>
+                </a:solidFill>
+              </a:rPr>
+              <a:t>타겟 아이디를</a:t>
+            </a:r>
+            <a:endParaRPr lang="en-US" altLang="ko-KR" sz="1200" dirty="0">
+              <a:solidFill>
+                <a:schemeClr val="tx1"/>
+              </a:solidFill>
+            </a:endParaRPr>
+          </a:p>
+          <a:p>
+            <a:pPr algn="ctr"/>
+            <a:r>
+              <a:rPr lang="ko-KR" altLang="en-US" sz="1200" dirty="0">
+                <a:solidFill>
+                  <a:schemeClr val="tx1"/>
+                </a:solidFill>
+              </a:rPr>
+              <a:t>해당 함수에 </a:t>
+            </a:r>
+            <a:endParaRPr lang="en-US" altLang="ko-KR" sz="1200" dirty="0">
+              <a:solidFill>
+                <a:schemeClr val="tx1"/>
+              </a:solidFill>
+            </a:endParaRPr>
+          </a:p>
+          <a:p>
+            <a:pPr algn="ctr"/>
+            <a:r>
+              <a:rPr lang="ko-KR" altLang="en-US" sz="1200" dirty="0">
+                <a:solidFill>
+                  <a:schemeClr val="tx1"/>
+                </a:solidFill>
+              </a:rPr>
+              <a:t>매개 변수로 전달</a:t>
+            </a:r>
+          </a:p>
+        </p:txBody>
+      </p:sp>
+      <p:sp>
+        <p:nvSpPr>
+          <p:cNvPr id="19" name="화살표: 아래쪽 18">
+            <a:extLst>
+              <a:ext uri="{FF2B5EF4-FFF2-40B4-BE49-F238E27FC236}">
+                <a16:creationId xmlns:a16="http://schemas.microsoft.com/office/drawing/2014/main" id="{6436A944-D774-42A2-9677-963EDC2FA9E4}"/>
+              </a:ext>
+            </a:extLst>
+          </p:cNvPr>
+          <p:cNvSpPr/>
+          <p:nvPr/>
+        </p:nvSpPr>
+        <p:spPr>
+          <a:xfrm>
+            <a:off x="8559325" y="1541222"/>
+            <a:ext cx="330588" cy="384225"/>
+          </a:xfrm>
+          <a:prstGeom prst="downArrow">
+            <a:avLst/>
+          </a:prstGeom>
+          <a:noFill/>
+          <a:ln>
+            <a:solidFill>
+              <a:schemeClr val="tx1"/>
+            </a:solidFill>
+          </a:ln>
+        </p:spPr>
+        <p:style>
+          <a:lnRef idx="2">
+            <a:schemeClr val="accent1">
+              <a:shade val="50000"/>
+            </a:schemeClr>
+          </a:lnRef>
+          <a:fillRef idx="1">
+            <a:schemeClr val="accent1"/>
+          </a:fillRef>
+          <a:effectRef idx="0">
+            <a:schemeClr val="accent1"/>
+          </a:effectRef>
+          <a:fontRef idx="minor">
+            <a:schemeClr val="lt1"/>
+          </a:fontRef>
+        </p:style>
+        <p:txBody>
+          <a:bodyPr rtlCol="0" anchor="ctr"/>
+          <a:lstStyle/>
+          <a:p>
+            <a:pPr algn="ctr"/>
+            <a:endParaRPr lang="ko-KR" altLang="en-US" sz="1200"/>
+          </a:p>
+        </p:txBody>
+      </p:sp>
+      <p:sp>
+        <p:nvSpPr>
+          <p:cNvPr id="20" name="사각형: 둥근 모서리 19">
+            <a:extLst>
+              <a:ext uri="{FF2B5EF4-FFF2-40B4-BE49-F238E27FC236}">
+                <a16:creationId xmlns:a16="http://schemas.microsoft.com/office/drawing/2014/main" id="{743383B4-FC5C-49F0-85F5-1B1294437FE5}"/>
+              </a:ext>
+            </a:extLst>
+          </p:cNvPr>
+          <p:cNvSpPr/>
+          <p:nvPr/>
+        </p:nvSpPr>
+        <p:spPr>
+          <a:xfrm>
+            <a:off x="7482957" y="1958712"/>
+            <a:ext cx="2483324" cy="710634"/>
+          </a:xfrm>
+          <a:prstGeom prst="roundRect">
+            <a:avLst/>
+          </a:prstGeom>
+          <a:solidFill>
+            <a:schemeClr val="accent2">
+              <a:lumMod val="60000"/>
+              <a:lumOff val="40000"/>
+            </a:schemeClr>
+          </a:solidFill>
+          <a:ln>
+            <a:noFill/>
+          </a:ln>
+        </p:spPr>
+        <p:style>
+          <a:lnRef idx="2">
+            <a:schemeClr val="accent1">
+              <a:shade val="50000"/>
+            </a:schemeClr>
+          </a:lnRef>
+          <a:fillRef idx="1">
+            <a:schemeClr val="accent1"/>
+          </a:fillRef>
+          <a:effectRef idx="0">
+            <a:schemeClr val="accent1"/>
+          </a:effectRef>
+          <a:fontRef idx="minor">
+            <a:schemeClr val="lt1"/>
+          </a:fontRef>
+        </p:style>
+        <p:txBody>
+          <a:bodyPr rtlCol="0" anchor="ctr"/>
+          <a:lstStyle/>
+          <a:p>
+            <a:pPr algn="ctr"/>
+            <a:r>
+              <a:rPr lang="en-US" altLang="ko-KR" sz="1200" dirty="0">
+                <a:solidFill>
+                  <a:schemeClr val="tx1"/>
+                </a:solidFill>
+              </a:rPr>
+              <a:t>RFID.Data.txt</a:t>
+            </a:r>
+            <a:r>
+              <a:rPr lang="ko-KR" altLang="en-US" sz="1200" dirty="0">
+                <a:solidFill>
+                  <a:schemeClr val="tx1"/>
+                </a:solidFill>
+              </a:rPr>
+              <a:t>에서 가져온 값과</a:t>
+            </a:r>
+            <a:endParaRPr lang="en-US" altLang="ko-KR" sz="1200" dirty="0">
+              <a:solidFill>
+                <a:schemeClr val="tx1"/>
+              </a:solidFill>
+            </a:endParaRPr>
+          </a:p>
+          <a:p>
+            <a:pPr algn="ctr"/>
+            <a:r>
+              <a:rPr lang="ko-KR" altLang="en-US" sz="1200" dirty="0">
+                <a:solidFill>
+                  <a:schemeClr val="tx1"/>
+                </a:solidFill>
+              </a:rPr>
+              <a:t>동일한 </a:t>
+            </a:r>
+            <a:r>
+              <a:rPr lang="en-US" altLang="ko-KR" sz="1200" dirty="0">
+                <a:solidFill>
+                  <a:schemeClr val="tx1"/>
+                </a:solidFill>
+              </a:rPr>
+              <a:t>ID </a:t>
+            </a:r>
+            <a:r>
+              <a:rPr lang="ko-KR" altLang="en-US" sz="1200" dirty="0">
+                <a:solidFill>
+                  <a:schemeClr val="tx1"/>
+                </a:solidFill>
+              </a:rPr>
+              <a:t>찾기</a:t>
+            </a:r>
+          </a:p>
+        </p:txBody>
+      </p:sp>
+      <p:sp>
+        <p:nvSpPr>
+          <p:cNvPr id="17" name="사각형: 둥근 모서리 16">
+            <a:extLst>
+              <a:ext uri="{FF2B5EF4-FFF2-40B4-BE49-F238E27FC236}">
+                <a16:creationId xmlns:a16="http://schemas.microsoft.com/office/drawing/2014/main" id="{6866954F-9E24-40BB-86C9-191B7717EF1E}"/>
+              </a:ext>
+            </a:extLst>
+          </p:cNvPr>
+          <p:cNvSpPr/>
+          <p:nvPr/>
+        </p:nvSpPr>
+        <p:spPr>
+          <a:xfrm>
+            <a:off x="7441665" y="3073683"/>
+            <a:ext cx="2643962" cy="710634"/>
+          </a:xfrm>
+          <a:prstGeom prst="roundRect">
+            <a:avLst/>
+          </a:prstGeom>
+          <a:solidFill>
+            <a:schemeClr val="accent2">
+              <a:lumMod val="60000"/>
+              <a:lumOff val="40000"/>
+            </a:schemeClr>
+          </a:solidFill>
+          <a:ln>
+            <a:noFill/>
+          </a:ln>
+        </p:spPr>
+        <p:style>
+          <a:lnRef idx="2">
+            <a:schemeClr val="accent1">
+              <a:shade val="50000"/>
+            </a:schemeClr>
+          </a:lnRef>
+          <a:fillRef idx="1">
+            <a:schemeClr val="accent1"/>
+          </a:fillRef>
+          <a:effectRef idx="0">
+            <a:schemeClr val="accent1"/>
+          </a:effectRef>
+          <a:fontRef idx="minor">
+            <a:schemeClr val="lt1"/>
+          </a:fontRef>
+        </p:style>
+        <p:txBody>
+          <a:bodyPr rtlCol="0" anchor="ctr"/>
+          <a:lstStyle/>
+          <a:p>
+            <a:pPr algn="ctr"/>
+            <a:r>
+              <a:rPr lang="ko-KR" altLang="en-US" sz="1200" dirty="0">
+                <a:solidFill>
+                  <a:schemeClr val="tx1"/>
+                </a:solidFill>
+              </a:rPr>
+              <a:t>일치한 </a:t>
+            </a:r>
+            <a:r>
+              <a:rPr lang="en-US" altLang="ko-KR" sz="1200" dirty="0">
+                <a:solidFill>
+                  <a:schemeClr val="tx1"/>
+                </a:solidFill>
+              </a:rPr>
+              <a:t>ID</a:t>
+            </a:r>
+            <a:r>
+              <a:rPr lang="ko-KR" altLang="en-US" sz="1200" dirty="0">
+                <a:solidFill>
+                  <a:schemeClr val="tx1"/>
+                </a:solidFill>
+              </a:rPr>
+              <a:t>에서 해당 값들을 추출</a:t>
+            </a:r>
+            <a:endParaRPr lang="en-US" altLang="ko-KR" sz="1200" dirty="0">
+              <a:solidFill>
+                <a:schemeClr val="tx1"/>
+              </a:solidFill>
+            </a:endParaRPr>
+          </a:p>
+          <a:p>
+            <a:pPr algn="ctr"/>
+            <a:r>
+              <a:rPr lang="en-US" altLang="ko-KR" sz="1200" dirty="0">
+                <a:solidFill>
+                  <a:schemeClr val="tx1"/>
+                </a:solidFill>
+              </a:rPr>
+              <a:t>(RSSI, Time)</a:t>
+            </a:r>
+            <a:endParaRPr lang="ko-KR" altLang="en-US" sz="1200" dirty="0">
+              <a:solidFill>
+                <a:schemeClr val="tx1"/>
+              </a:solidFill>
+            </a:endParaRPr>
+          </a:p>
+        </p:txBody>
+      </p:sp>
+      <p:sp>
+        <p:nvSpPr>
+          <p:cNvPr id="21" name="화살표: 아래쪽 20">
+            <a:extLst>
+              <a:ext uri="{FF2B5EF4-FFF2-40B4-BE49-F238E27FC236}">
+                <a16:creationId xmlns:a16="http://schemas.microsoft.com/office/drawing/2014/main" id="{A88671C1-83D7-42EB-A13B-DC8F0F566103}"/>
+              </a:ext>
+            </a:extLst>
+          </p:cNvPr>
+          <p:cNvSpPr/>
+          <p:nvPr/>
+        </p:nvSpPr>
+        <p:spPr>
+          <a:xfrm>
+            <a:off x="8559325" y="2676005"/>
+            <a:ext cx="330588" cy="384225"/>
+          </a:xfrm>
+          <a:prstGeom prst="downArrow">
+            <a:avLst/>
+          </a:prstGeom>
+          <a:noFill/>
+          <a:ln>
+            <a:solidFill>
+              <a:schemeClr val="tx1"/>
+            </a:solidFill>
+          </a:ln>
+        </p:spPr>
+        <p:style>
+          <a:lnRef idx="2">
+            <a:schemeClr val="accent1">
+              <a:shade val="50000"/>
+            </a:schemeClr>
+          </a:lnRef>
+          <a:fillRef idx="1">
+            <a:schemeClr val="accent1"/>
+          </a:fillRef>
+          <a:effectRef idx="0">
+            <a:schemeClr val="accent1"/>
+          </a:effectRef>
+          <a:fontRef idx="minor">
+            <a:schemeClr val="lt1"/>
+          </a:fontRef>
+        </p:style>
+        <p:txBody>
+          <a:bodyPr rtlCol="0" anchor="ctr"/>
+          <a:lstStyle/>
+          <a:p>
+            <a:pPr algn="ctr"/>
+            <a:endParaRPr lang="ko-KR" altLang="en-US" sz="1200"/>
+          </a:p>
+        </p:txBody>
+      </p:sp>
+      <p:sp>
+        <p:nvSpPr>
+          <p:cNvPr id="28" name="화살표: 아래쪽 27">
+            <a:extLst>
+              <a:ext uri="{FF2B5EF4-FFF2-40B4-BE49-F238E27FC236}">
+                <a16:creationId xmlns:a16="http://schemas.microsoft.com/office/drawing/2014/main" id="{AAA4AEE0-CE1B-4D62-907A-60C510F87948}"/>
+              </a:ext>
+            </a:extLst>
+          </p:cNvPr>
+          <p:cNvSpPr/>
+          <p:nvPr/>
+        </p:nvSpPr>
+        <p:spPr>
+          <a:xfrm rot="1800000">
+            <a:off x="7748784" y="3900488"/>
+            <a:ext cx="330588" cy="384225"/>
+          </a:xfrm>
+          <a:prstGeom prst="downArrow">
+            <a:avLst/>
+          </a:prstGeom>
+          <a:noFill/>
+          <a:ln>
+            <a:solidFill>
+              <a:schemeClr val="tx1"/>
+            </a:solidFill>
+          </a:ln>
+        </p:spPr>
+        <p:style>
+          <a:lnRef idx="2">
+            <a:schemeClr val="accent1">
+              <a:shade val="50000"/>
+            </a:schemeClr>
+          </a:lnRef>
+          <a:fillRef idx="1">
+            <a:schemeClr val="accent1"/>
+          </a:fillRef>
+          <a:effectRef idx="0">
+            <a:schemeClr val="accent1"/>
+          </a:effectRef>
+          <a:fontRef idx="minor">
+            <a:schemeClr val="lt1"/>
+          </a:fontRef>
+        </p:style>
+        <p:txBody>
+          <a:bodyPr rtlCol="0" anchor="ctr"/>
+          <a:lstStyle/>
+          <a:p>
+            <a:pPr algn="ctr"/>
+            <a:r>
+              <a:rPr lang="en-US" altLang="ko-KR" sz="1200" dirty="0">
+                <a:solidFill>
+                  <a:schemeClr val="tx1"/>
+                </a:solidFill>
+              </a:rPr>
+              <a:t>B</a:t>
+            </a:r>
+            <a:endParaRPr lang="ko-KR" altLang="en-US" sz="1200" dirty="0">
+              <a:solidFill>
+                <a:schemeClr val="tx1"/>
+              </a:solidFill>
+            </a:endParaRPr>
+          </a:p>
+        </p:txBody>
+      </p:sp>
+      <p:sp>
+        <p:nvSpPr>
+          <p:cNvPr id="29" name="사각형: 둥근 모서리 28">
+            <a:extLst>
+              <a:ext uri="{FF2B5EF4-FFF2-40B4-BE49-F238E27FC236}">
+                <a16:creationId xmlns:a16="http://schemas.microsoft.com/office/drawing/2014/main" id="{0281C4D7-26DA-47C9-B742-5C23E2C91EE9}"/>
+              </a:ext>
+            </a:extLst>
+          </p:cNvPr>
+          <p:cNvSpPr/>
+          <p:nvPr/>
+        </p:nvSpPr>
+        <p:spPr>
+          <a:xfrm>
+            <a:off x="6678950" y="4291555"/>
+            <a:ext cx="1791038" cy="710634"/>
+          </a:xfrm>
+          <a:prstGeom prst="roundRect">
+            <a:avLst/>
+          </a:prstGeom>
+          <a:solidFill>
+            <a:schemeClr val="accent4">
+              <a:lumMod val="60000"/>
+              <a:lumOff val="40000"/>
+            </a:schemeClr>
+          </a:solidFill>
+          <a:ln>
+            <a:noFill/>
+          </a:ln>
+        </p:spPr>
+        <p:style>
+          <a:lnRef idx="2">
+            <a:schemeClr val="accent1">
+              <a:shade val="50000"/>
+            </a:schemeClr>
+          </a:lnRef>
+          <a:fillRef idx="1">
+            <a:schemeClr val="accent1"/>
+          </a:fillRef>
+          <a:effectRef idx="0">
+            <a:schemeClr val="accent1"/>
+          </a:effectRef>
+          <a:fontRef idx="minor">
+            <a:schemeClr val="lt1"/>
+          </a:fontRef>
+        </p:style>
+        <p:txBody>
+          <a:bodyPr rtlCol="0" anchor="ctr"/>
+          <a:lstStyle/>
+          <a:p>
+            <a:pPr algn="ctr"/>
+            <a:r>
+              <a:rPr lang="ko-KR" altLang="en-US" sz="1200" dirty="0">
+                <a:solidFill>
+                  <a:schemeClr val="tx1"/>
+                </a:solidFill>
+              </a:rPr>
+              <a:t>타겟에 해당하는 </a:t>
+            </a:r>
+            <a:r>
+              <a:rPr lang="en-US" altLang="ko-KR" sz="1200" dirty="0">
+                <a:solidFill>
+                  <a:schemeClr val="tx1"/>
+                </a:solidFill>
+              </a:rPr>
+              <a:t>ID</a:t>
+            </a:r>
+            <a:r>
+              <a:rPr lang="ko-KR" altLang="en-US" sz="1200" dirty="0">
+                <a:solidFill>
+                  <a:schemeClr val="tx1"/>
+                </a:solidFill>
+              </a:rPr>
+              <a:t>의</a:t>
+            </a:r>
+            <a:endParaRPr lang="en-US" altLang="ko-KR" sz="1200" dirty="0">
+              <a:solidFill>
+                <a:schemeClr val="tx1"/>
+              </a:solidFill>
+            </a:endParaRPr>
+          </a:p>
+          <a:p>
+            <a:pPr algn="ctr"/>
+            <a:r>
+              <a:rPr lang="en-US" altLang="ko-KR" sz="1200" dirty="0">
+                <a:solidFill>
+                  <a:schemeClr val="tx1"/>
+                </a:solidFill>
+              </a:rPr>
+              <a:t>&lt;RSSI,</a:t>
+            </a:r>
+            <a:r>
+              <a:rPr lang="ko-KR" altLang="en-US" sz="1200" dirty="0">
+                <a:solidFill>
+                  <a:schemeClr val="tx1"/>
+                </a:solidFill>
+              </a:rPr>
+              <a:t> 인터벌</a:t>
+            </a:r>
+            <a:r>
+              <a:rPr lang="en-US" altLang="ko-KR" sz="1200" dirty="0">
+                <a:solidFill>
+                  <a:schemeClr val="tx1"/>
+                </a:solidFill>
+              </a:rPr>
+              <a:t>&gt;</a:t>
+            </a:r>
+          </a:p>
+          <a:p>
+            <a:pPr algn="ctr"/>
+            <a:r>
+              <a:rPr lang="ko-KR" altLang="en-US" sz="1200" dirty="0">
+                <a:solidFill>
+                  <a:schemeClr val="tx1"/>
+                </a:solidFill>
+              </a:rPr>
+              <a:t>평균 값 계산</a:t>
+            </a:r>
+            <a:endParaRPr lang="en-US" altLang="ko-KR" sz="1200" dirty="0">
+              <a:solidFill>
+                <a:schemeClr val="tx1"/>
+              </a:solidFill>
+            </a:endParaRPr>
+          </a:p>
+        </p:txBody>
+      </p:sp>
+      <p:sp>
+        <p:nvSpPr>
+          <p:cNvPr id="30" name="화살표: 아래쪽 29">
+            <a:extLst>
+              <a:ext uri="{FF2B5EF4-FFF2-40B4-BE49-F238E27FC236}">
+                <a16:creationId xmlns:a16="http://schemas.microsoft.com/office/drawing/2014/main" id="{A946FA78-91A2-4ADD-A772-B3AE58B125AF}"/>
+              </a:ext>
+            </a:extLst>
+          </p:cNvPr>
+          <p:cNvSpPr/>
+          <p:nvPr/>
+        </p:nvSpPr>
+        <p:spPr>
+          <a:xfrm rot="19800000">
+            <a:off x="9561783" y="3906381"/>
+            <a:ext cx="330588" cy="384225"/>
+          </a:xfrm>
+          <a:prstGeom prst="downArrow">
+            <a:avLst/>
+          </a:prstGeom>
+          <a:noFill/>
+          <a:ln>
+            <a:solidFill>
+              <a:schemeClr val="tx1"/>
+            </a:solidFill>
+          </a:ln>
+        </p:spPr>
+        <p:style>
+          <a:lnRef idx="2">
+            <a:schemeClr val="accent1">
+              <a:shade val="50000"/>
+            </a:schemeClr>
+          </a:lnRef>
+          <a:fillRef idx="1">
+            <a:schemeClr val="accent1"/>
+          </a:fillRef>
+          <a:effectRef idx="0">
+            <a:schemeClr val="accent1"/>
+          </a:effectRef>
+          <a:fontRef idx="minor">
+            <a:schemeClr val="lt1"/>
+          </a:fontRef>
+        </p:style>
+        <p:txBody>
+          <a:bodyPr rtlCol="0" anchor="ctr"/>
+          <a:lstStyle/>
+          <a:p>
+            <a:pPr algn="ctr"/>
+            <a:r>
+              <a:rPr lang="en-US" altLang="ko-KR" sz="1200" dirty="0">
+                <a:solidFill>
+                  <a:schemeClr val="tx1"/>
+                </a:solidFill>
+              </a:rPr>
+              <a:t>C</a:t>
+            </a:r>
+            <a:endParaRPr lang="ko-KR" altLang="en-US" sz="1200" dirty="0">
+              <a:solidFill>
+                <a:schemeClr val="tx1"/>
+              </a:solidFill>
+            </a:endParaRPr>
+          </a:p>
+        </p:txBody>
+      </p:sp>
+      <p:sp>
+        <p:nvSpPr>
+          <p:cNvPr id="31" name="사각형: 둥근 모서리 30">
+            <a:extLst>
+              <a:ext uri="{FF2B5EF4-FFF2-40B4-BE49-F238E27FC236}">
+                <a16:creationId xmlns:a16="http://schemas.microsoft.com/office/drawing/2014/main" id="{6B15D517-7C81-43D1-9A0F-94E397A48936}"/>
+              </a:ext>
+            </a:extLst>
+          </p:cNvPr>
+          <p:cNvSpPr/>
+          <p:nvPr/>
+        </p:nvSpPr>
+        <p:spPr>
+          <a:xfrm>
+            <a:off x="9013683" y="4327011"/>
+            <a:ext cx="2297344" cy="762161"/>
+          </a:xfrm>
+          <a:prstGeom prst="roundRect">
+            <a:avLst/>
+          </a:prstGeom>
+          <a:solidFill>
+            <a:schemeClr val="accent1">
+              <a:lumMod val="40000"/>
+              <a:lumOff val="60000"/>
+            </a:schemeClr>
+          </a:solidFill>
+          <a:ln>
+            <a:noFill/>
+          </a:ln>
+        </p:spPr>
+        <p:style>
+          <a:lnRef idx="2">
+            <a:schemeClr val="accent1">
+              <a:shade val="50000"/>
+            </a:schemeClr>
+          </a:lnRef>
+          <a:fillRef idx="1">
+            <a:schemeClr val="accent1"/>
+          </a:fillRef>
+          <a:effectRef idx="0">
+            <a:schemeClr val="accent1"/>
+          </a:effectRef>
+          <a:fontRef idx="minor">
+            <a:schemeClr val="lt1"/>
+          </a:fontRef>
+        </p:style>
+        <p:txBody>
+          <a:bodyPr rtlCol="0" anchor="ctr"/>
+          <a:lstStyle/>
+          <a:p>
+            <a:pPr algn="ctr"/>
+            <a:r>
+              <a:rPr lang="ko-KR" altLang="en-US" sz="1050" dirty="0">
+                <a:solidFill>
+                  <a:schemeClr val="tx1"/>
+                </a:solidFill>
+              </a:rPr>
+              <a:t>참조 </a:t>
+            </a:r>
+            <a:r>
+              <a:rPr lang="en-US" altLang="ko-KR" sz="1050" dirty="0">
+                <a:solidFill>
+                  <a:schemeClr val="tx1"/>
+                </a:solidFill>
+              </a:rPr>
+              <a:t>ID</a:t>
+            </a:r>
+            <a:r>
+              <a:rPr lang="ko-KR" altLang="en-US" sz="1050" dirty="0">
+                <a:solidFill>
+                  <a:schemeClr val="tx1"/>
+                </a:solidFill>
+              </a:rPr>
+              <a:t>와 타겟 </a:t>
+            </a:r>
+            <a:r>
+              <a:rPr lang="en-US" altLang="ko-KR" sz="1050" dirty="0">
+                <a:solidFill>
+                  <a:schemeClr val="tx1"/>
+                </a:solidFill>
+              </a:rPr>
+              <a:t>ID</a:t>
+            </a:r>
+            <a:r>
+              <a:rPr lang="ko-KR" altLang="en-US" sz="1050" dirty="0">
+                <a:solidFill>
+                  <a:schemeClr val="tx1"/>
+                </a:solidFill>
+              </a:rPr>
+              <a:t>의</a:t>
+            </a:r>
+            <a:endParaRPr lang="en-US" altLang="ko-KR" sz="1050" dirty="0">
+              <a:solidFill>
+                <a:schemeClr val="tx1"/>
+              </a:solidFill>
+            </a:endParaRPr>
+          </a:p>
+          <a:p>
+            <a:pPr algn="ctr"/>
+            <a:r>
+              <a:rPr lang="ko-KR" altLang="en-US" sz="1050" dirty="0">
+                <a:solidFill>
+                  <a:schemeClr val="tx1"/>
+                </a:solidFill>
+              </a:rPr>
+              <a:t>평균</a:t>
+            </a:r>
+            <a:r>
+              <a:rPr lang="en-US" altLang="ko-KR" sz="1050" dirty="0">
+                <a:solidFill>
+                  <a:schemeClr val="tx1"/>
+                </a:solidFill>
+              </a:rPr>
+              <a:t>RSSI </a:t>
+            </a:r>
+            <a:r>
+              <a:rPr lang="ko-KR" altLang="en-US" sz="1050" dirty="0">
+                <a:solidFill>
+                  <a:schemeClr val="tx1"/>
+                </a:solidFill>
+              </a:rPr>
+              <a:t>값</a:t>
+            </a:r>
+            <a:r>
+              <a:rPr lang="en-US" altLang="ko-KR" sz="1050" dirty="0">
+                <a:solidFill>
+                  <a:schemeClr val="tx1"/>
+                </a:solidFill>
+              </a:rPr>
+              <a:t> </a:t>
+            </a:r>
+            <a:r>
+              <a:rPr lang="ko-KR" altLang="en-US" sz="1050" dirty="0">
+                <a:solidFill>
+                  <a:schemeClr val="tx1"/>
+                </a:solidFill>
+              </a:rPr>
+              <a:t>비교하여 </a:t>
+            </a:r>
+            <a:endParaRPr lang="en-US" altLang="ko-KR" sz="1050" dirty="0">
+              <a:solidFill>
+                <a:schemeClr val="tx1"/>
+              </a:solidFill>
+            </a:endParaRPr>
+          </a:p>
+          <a:p>
+            <a:pPr algn="ctr"/>
+            <a:r>
+              <a:rPr lang="ko-KR" altLang="en-US" sz="1050" dirty="0">
+                <a:solidFill>
+                  <a:schemeClr val="tx1"/>
+                </a:solidFill>
+              </a:rPr>
+              <a:t>타겟</a:t>
+            </a:r>
+            <a:r>
+              <a:rPr lang="en-US" altLang="ko-KR" sz="1050" dirty="0">
+                <a:solidFill>
+                  <a:schemeClr val="tx1"/>
+                </a:solidFill>
+              </a:rPr>
+              <a:t> id</a:t>
+            </a:r>
+            <a:r>
+              <a:rPr lang="ko-KR" altLang="en-US" sz="1050" dirty="0">
+                <a:solidFill>
+                  <a:schemeClr val="tx1"/>
+                </a:solidFill>
+              </a:rPr>
+              <a:t>로 평균 값이 </a:t>
+            </a:r>
+            <a:endParaRPr lang="en-US" altLang="ko-KR" sz="1050" dirty="0">
+              <a:solidFill>
+                <a:schemeClr val="tx1"/>
+              </a:solidFill>
+            </a:endParaRPr>
+          </a:p>
+          <a:p>
+            <a:pPr algn="ctr"/>
+            <a:r>
+              <a:rPr lang="ko-KR" altLang="en-US" sz="1050" dirty="0">
+                <a:solidFill>
+                  <a:schemeClr val="tx1"/>
+                </a:solidFill>
+              </a:rPr>
+              <a:t>가까운 참조</a:t>
+            </a:r>
+            <a:r>
+              <a:rPr lang="en-US" altLang="ko-KR" sz="1050" dirty="0">
+                <a:solidFill>
+                  <a:schemeClr val="tx1"/>
+                </a:solidFill>
+              </a:rPr>
+              <a:t>ID </a:t>
+            </a:r>
+            <a:r>
+              <a:rPr lang="ko-KR" altLang="en-US" sz="1050" dirty="0">
+                <a:solidFill>
+                  <a:schemeClr val="tx1"/>
+                </a:solidFill>
+              </a:rPr>
+              <a:t>순으로 나열</a:t>
+            </a:r>
+            <a:endParaRPr lang="en-US" altLang="ko-KR" sz="1050" dirty="0">
+              <a:solidFill>
+                <a:schemeClr val="tx1"/>
+              </a:solidFill>
+            </a:endParaRPr>
+          </a:p>
+        </p:txBody>
+      </p:sp>
+      <p:sp>
+        <p:nvSpPr>
+          <p:cNvPr id="16" name="화살표: 아래쪽 15">
+            <a:extLst>
+              <a:ext uri="{FF2B5EF4-FFF2-40B4-BE49-F238E27FC236}">
+                <a16:creationId xmlns:a16="http://schemas.microsoft.com/office/drawing/2014/main" id="{F3419AC5-403B-46CD-BC2C-41F8BBFA8F6C}"/>
+              </a:ext>
+            </a:extLst>
+          </p:cNvPr>
+          <p:cNvSpPr/>
+          <p:nvPr/>
+        </p:nvSpPr>
+        <p:spPr>
+          <a:xfrm>
+            <a:off x="10194363" y="5136142"/>
+            <a:ext cx="330588" cy="384225"/>
+          </a:xfrm>
+          <a:prstGeom prst="downArrow">
+            <a:avLst/>
+          </a:prstGeom>
+          <a:noFill/>
+          <a:ln>
+            <a:solidFill>
+              <a:schemeClr val="tx1"/>
+            </a:solidFill>
+          </a:ln>
+        </p:spPr>
+        <p:style>
+          <a:lnRef idx="2">
+            <a:schemeClr val="accent1">
+              <a:shade val="50000"/>
+            </a:schemeClr>
+          </a:lnRef>
+          <a:fillRef idx="1">
+            <a:schemeClr val="accent1"/>
+          </a:fillRef>
+          <a:effectRef idx="0">
+            <a:schemeClr val="accent1"/>
+          </a:effectRef>
+          <a:fontRef idx="minor">
+            <a:schemeClr val="lt1"/>
+          </a:fontRef>
+        </p:style>
+        <p:txBody>
+          <a:bodyPr rtlCol="0" anchor="ctr"/>
+          <a:lstStyle/>
+          <a:p>
+            <a:pPr algn="ctr"/>
+            <a:endParaRPr lang="ko-KR" altLang="en-US" sz="1200"/>
+          </a:p>
+        </p:txBody>
+      </p:sp>
+      <p:sp>
+        <p:nvSpPr>
+          <p:cNvPr id="22" name="사각형: 둥근 모서리 21">
+            <a:extLst>
+              <a:ext uri="{FF2B5EF4-FFF2-40B4-BE49-F238E27FC236}">
+                <a16:creationId xmlns:a16="http://schemas.microsoft.com/office/drawing/2014/main" id="{E6519EE5-E7B0-4EF1-9AB5-F159F3093DD5}"/>
+              </a:ext>
+            </a:extLst>
+          </p:cNvPr>
+          <p:cNvSpPr/>
+          <p:nvPr/>
+        </p:nvSpPr>
+        <p:spPr>
+          <a:xfrm>
+            <a:off x="9204960" y="5566711"/>
+            <a:ext cx="2163667" cy="892335"/>
+          </a:xfrm>
+          <a:prstGeom prst="roundRect">
+            <a:avLst/>
+          </a:prstGeom>
+          <a:solidFill>
+            <a:schemeClr val="accent1">
+              <a:lumMod val="40000"/>
+              <a:lumOff val="60000"/>
+            </a:schemeClr>
+          </a:solidFill>
+          <a:ln>
+            <a:noFill/>
+          </a:ln>
+        </p:spPr>
+        <p:style>
+          <a:lnRef idx="2">
+            <a:schemeClr val="accent1">
+              <a:shade val="50000"/>
+            </a:schemeClr>
+          </a:lnRef>
+          <a:fillRef idx="1">
+            <a:schemeClr val="accent1"/>
+          </a:fillRef>
+          <a:effectRef idx="0">
+            <a:schemeClr val="accent1"/>
+          </a:effectRef>
+          <a:fontRef idx="minor">
+            <a:schemeClr val="lt1"/>
+          </a:fontRef>
+        </p:style>
+        <p:txBody>
+          <a:bodyPr rtlCol="0" anchor="ctr"/>
+          <a:lstStyle/>
+          <a:p>
+            <a:pPr algn="ctr"/>
+            <a:r>
+              <a:rPr lang="ko-KR" altLang="en-US" sz="1200" dirty="0">
+                <a:solidFill>
+                  <a:schemeClr val="tx1"/>
+                </a:solidFill>
+              </a:rPr>
+              <a:t>사용자로부터 참조할 값의 개수</a:t>
+            </a:r>
+            <a:r>
+              <a:rPr lang="en-US" altLang="ko-KR" sz="1200" dirty="0">
+                <a:solidFill>
+                  <a:schemeClr val="tx1"/>
+                </a:solidFill>
+              </a:rPr>
+              <a:t>(n)</a:t>
+            </a:r>
+            <a:r>
+              <a:rPr lang="ko-KR" altLang="en-US" sz="1200" dirty="0">
+                <a:solidFill>
+                  <a:schemeClr val="tx1"/>
+                </a:solidFill>
+              </a:rPr>
+              <a:t>을 입력 받아</a:t>
+            </a:r>
+            <a:endParaRPr lang="en-US" altLang="ko-KR" sz="1200" dirty="0">
+              <a:solidFill>
+                <a:schemeClr val="tx1"/>
+              </a:solidFill>
+            </a:endParaRPr>
+          </a:p>
+          <a:p>
+            <a:pPr algn="ctr"/>
+            <a:r>
+              <a:rPr lang="en-US" altLang="ko-KR" sz="1200" dirty="0">
+                <a:solidFill>
+                  <a:schemeClr val="tx1"/>
+                </a:solidFill>
+              </a:rPr>
+              <a:t>KNN</a:t>
+            </a:r>
+            <a:r>
+              <a:rPr lang="ko-KR" altLang="en-US" sz="1200" dirty="0">
+                <a:solidFill>
+                  <a:schemeClr val="tx1"/>
+                </a:solidFill>
+              </a:rPr>
+              <a:t>알고리즘으로</a:t>
+            </a:r>
+            <a:endParaRPr lang="en-US" altLang="ko-KR" sz="1200" dirty="0">
+              <a:solidFill>
+                <a:schemeClr val="tx1"/>
+              </a:solidFill>
+            </a:endParaRPr>
+          </a:p>
+          <a:p>
+            <a:pPr algn="ctr"/>
+            <a:r>
+              <a:rPr lang="ko-KR" altLang="en-US" sz="1200" dirty="0">
+                <a:solidFill>
+                  <a:schemeClr val="tx1"/>
+                </a:solidFill>
+              </a:rPr>
+              <a:t>예상 좌표 계산</a:t>
+            </a:r>
+            <a:endParaRPr lang="en-US" altLang="ko-KR" sz="1200" dirty="0">
+              <a:solidFill>
+                <a:schemeClr val="tx1"/>
+              </a:solidFill>
+            </a:endParaRPr>
+          </a:p>
+        </p:txBody>
+      </p:sp>
+      <p:sp>
+        <p:nvSpPr>
+          <p:cNvPr id="24" name="사각형: 둥근 모서리 23">
+            <a:extLst>
+              <a:ext uri="{FF2B5EF4-FFF2-40B4-BE49-F238E27FC236}">
+                <a16:creationId xmlns:a16="http://schemas.microsoft.com/office/drawing/2014/main" id="{90BA0F45-A9AB-4951-8D98-D6E535145EAD}"/>
+              </a:ext>
+            </a:extLst>
+          </p:cNvPr>
+          <p:cNvSpPr/>
+          <p:nvPr/>
+        </p:nvSpPr>
+        <p:spPr>
+          <a:xfrm>
+            <a:off x="3241663" y="890492"/>
+            <a:ext cx="2269781" cy="640491"/>
           </a:xfrm>
           <a:prstGeom prst="roundRect">
             <a:avLst/>
@@ -6014,65 +6074,70 @@
           <a:p>
             <a:pPr algn="ctr"/>
             <a:r>
-              <a:rPr lang="en-US" altLang="ko-KR" sz="1200" dirty="0">
-                <a:solidFill>
-                  <a:schemeClr val="tx1"/>
-                </a:solidFill>
-              </a:rPr>
-              <a:t>&lt;1&gt;</a:t>
-            </a:r>
-          </a:p>
-          <a:p>
-            <a:pPr algn="ctr"/>
-            <a:r>
-              <a:rPr lang="en-US" altLang="ko-KR" sz="1200" dirty="0">
-                <a:solidFill>
-                  <a:schemeClr val="tx1"/>
-                </a:solidFill>
-              </a:rPr>
-              <a:t>Reference Tag Analysis</a:t>
-            </a:r>
-          </a:p>
-          <a:p>
-            <a:pPr algn="ctr"/>
-            <a:r>
-              <a:rPr lang="en-US" altLang="ko-KR" sz="1200" dirty="0">
-                <a:solidFill>
-                  <a:schemeClr val="tx1"/>
-                </a:solidFill>
-              </a:rPr>
-              <a:t>(</a:t>
-            </a:r>
-            <a:r>
               <a:rPr lang="ko-KR" altLang="en-US" sz="1200" dirty="0">
                 <a:solidFill>
                   <a:schemeClr val="tx1"/>
                 </a:solidFill>
               </a:rPr>
-              <a:t>참조태그들의 정보 분석 값 출력</a:t>
-            </a:r>
-            <a:r>
-              <a:rPr lang="en-US" altLang="ko-KR" sz="1200" dirty="0">
-                <a:solidFill>
-                  <a:schemeClr val="tx1"/>
-                </a:solidFill>
-              </a:rPr>
-              <a:t>)</a:t>
-            </a:r>
-            <a:endParaRPr lang="ko-KR" altLang="en-US" sz="1200" dirty="0">
+              <a:t>참조 데이터들에게서 </a:t>
+            </a:r>
+            <a:endParaRPr lang="en-US" altLang="ko-KR" sz="1200" dirty="0">
               <a:solidFill>
                 <a:schemeClr val="tx1"/>
               </a:solidFill>
             </a:endParaRPr>
           </a:p>
-        </p:txBody>
-      </p:sp>
-      <p:sp>
-        <p:nvSpPr>
-          <p:cNvPr id="36" name="사각형: 둥근 모서리 35">
-            <a:extLst>
-              <a:ext uri="{FF2B5EF4-FFF2-40B4-BE49-F238E27FC236}">
-                <a16:creationId xmlns:a16="http://schemas.microsoft.com/office/drawing/2014/main" id="{F401993D-FED6-466F-A404-8D698EAA8ACE}"/>
+          <a:p>
+            <a:pPr algn="ctr"/>
+            <a:r>
+              <a:rPr lang="ko-KR" altLang="en-US" sz="1200" dirty="0">
+                <a:solidFill>
+                  <a:schemeClr val="tx1"/>
+                </a:solidFill>
+              </a:rPr>
+              <a:t>각 </a:t>
+            </a:r>
+            <a:r>
+              <a:rPr lang="en-US" altLang="ko-KR" sz="1200" dirty="0">
+                <a:solidFill>
+                  <a:schemeClr val="tx1"/>
+                </a:solidFill>
+              </a:rPr>
+              <a:t>ID </a:t>
+            </a:r>
+            <a:r>
+              <a:rPr lang="ko-KR" altLang="en-US" sz="1200" dirty="0">
+                <a:solidFill>
+                  <a:schemeClr val="tx1"/>
+                </a:solidFill>
+              </a:rPr>
+              <a:t>매개 변수로</a:t>
+            </a:r>
+            <a:endParaRPr lang="en-US" altLang="ko-KR" sz="1200" dirty="0">
+              <a:solidFill>
+                <a:schemeClr val="tx1"/>
+              </a:solidFill>
+            </a:endParaRPr>
+          </a:p>
+          <a:p>
+            <a:pPr algn="ctr"/>
+            <a:r>
+              <a:rPr lang="ko-KR" altLang="en-US" sz="1200" dirty="0">
+                <a:solidFill>
+                  <a:schemeClr val="tx1"/>
+                </a:solidFill>
+              </a:rPr>
+              <a:t>하나씩 가져오기</a:t>
+            </a:r>
+          </a:p>
+        </p:txBody>
+      </p:sp>
+      <p:sp>
+        <p:nvSpPr>
+          <p:cNvPr id="25" name="화살표: 아래쪽 24">
+            <a:extLst>
+              <a:ext uri="{FF2B5EF4-FFF2-40B4-BE49-F238E27FC236}">
+                <a16:creationId xmlns:a16="http://schemas.microsoft.com/office/drawing/2014/main" id="{E6DB2EF2-1ABC-41E5-B283-44FEBB91F0CA}"/>
               </a:ext>
             </a:extLst>
           </p:cNvPr>
@@ -6081,8 +6146,60 @@
         </p:nvSpPr>
         <p:spPr>
           <a:xfrm>
-            <a:off x="5504803" y="2609855"/>
-            <a:ext cx="3540137" cy="881075"/>
+            <a:off x="4226519" y="1541222"/>
+            <a:ext cx="330588" cy="384225"/>
+          </a:xfrm>
+          <a:prstGeom prst="downArrow">
+            <a:avLst/>
+          </a:prstGeom>
+          <a:noFill/>
+          <a:ln>
+            <a:solidFill>
+              <a:schemeClr val="tx1"/>
+            </a:solidFill>
+          </a:ln>
+        </p:spPr>
+        <p:style>
+          <a:lnRef idx="2">
+            <a:schemeClr val="accent1">
+              <a:shade val="50000"/>
+            </a:schemeClr>
+          </a:lnRef>
+          <a:fillRef idx="1">
+            <a:schemeClr val="accent1"/>
+          </a:fillRef>
+          <a:effectRef idx="0">
+            <a:schemeClr val="accent1"/>
+          </a:effectRef>
+          <a:fontRef idx="minor">
+            <a:schemeClr val="lt1"/>
+          </a:fontRef>
+        </p:style>
+        <p:txBody>
+          <a:bodyPr rtlCol="0" anchor="ctr"/>
+          <a:lstStyle/>
+          <a:p>
+            <a:pPr algn="ctr"/>
+            <a:endParaRPr lang="ko-KR" altLang="en-US" sz="1200"/>
+          </a:p>
+        </p:txBody>
+      </p:sp>
+      <p:sp>
+        <p:nvSpPr>
+          <p:cNvPr id="26" name="사각형: 둥근 모서리 25">
+            <a:extLst>
+              <a:ext uri="{FF2B5EF4-FFF2-40B4-BE49-F238E27FC236}">
+                <a16:creationId xmlns:a16="http://schemas.microsoft.com/office/drawing/2014/main" id="{3F3C43CD-8679-4627-8C5C-F6890CDBDD4A}"/>
+              </a:ext>
+            </a:extLst>
+          </p:cNvPr>
+          <p:cNvSpPr/>
+          <p:nvPr/>
+        </p:nvSpPr>
+        <p:spPr>
+          <a:xfrm>
+            <a:off x="3150151" y="1958712"/>
+            <a:ext cx="2483324" cy="710634"/>
           </a:xfrm>
           <a:prstGeom prst="roundRect">
             <a:avLst/>
@@ -6119,42 +6236,20 @@
           <a:p>
             <a:pPr algn="ctr"/>
             <a:r>
+              <a:rPr lang="ko-KR" altLang="en-US" sz="1200" dirty="0">
+                <a:solidFill>
+                  <a:schemeClr val="tx1"/>
+                </a:solidFill>
+              </a:rPr>
+              <a:t>매개 변수로 받아온 </a:t>
+            </a:r>
+            <a:r>
               <a:rPr lang="en-US" altLang="ko-KR" sz="1200" dirty="0">
                 <a:solidFill>
                   <a:schemeClr val="tx1"/>
                 </a:solidFill>
               </a:rPr>
-              <a:t>&lt;2&gt;</a:t>
-            </a:r>
-          </a:p>
-          <a:p>
-            <a:pPr algn="ctr"/>
-            <a:r>
-              <a:rPr lang="en-US" altLang="ko-KR" sz="1200" dirty="0">
-                <a:solidFill>
-                  <a:schemeClr val="tx1"/>
-                </a:solidFill>
-              </a:rPr>
-              <a:t>Target Tag Analysis</a:t>
-            </a:r>
-          </a:p>
-          <a:p>
-            <a:pPr algn="ctr"/>
-            <a:r>
-              <a:rPr lang="en-US" altLang="ko-KR" sz="1200" dirty="0">
-                <a:solidFill>
-                  <a:schemeClr val="tx1"/>
-                </a:solidFill>
-              </a:rPr>
-              <a:t>(</a:t>
-            </a:r>
-            <a:r>
-              <a:rPr lang="ko-KR" altLang="en-US" sz="1200" dirty="0" err="1">
-                <a:solidFill>
-                  <a:schemeClr val="tx1"/>
-                </a:solidFill>
-              </a:rPr>
-              <a:t>타겟태그의</a:t>
+              <a:t>ID</a:t>
             </a:r>
             <a:r>
               <a:rPr lang="ko-KR" altLang="en-US" sz="1200" dirty="0">
@@ -6162,30 +6257,78 @@
                   <a:schemeClr val="tx1"/>
                 </a:solidFill>
               </a:rPr>
-              <a:t> 정보 분석 값 출력</a:t>
-            </a:r>
-            <a:r>
-              <a:rPr lang="en-US" altLang="ko-KR" sz="1200" dirty="0">
-                <a:solidFill>
-                  <a:schemeClr val="tx1"/>
-                </a:solidFill>
-              </a:rPr>
-              <a:t>)</a:t>
-            </a:r>
-            <a:endParaRPr lang="ko-KR" altLang="en-US" sz="1200" dirty="0">
+              <a:t>를</a:t>
+            </a:r>
+            <a:endParaRPr lang="en-US" altLang="ko-KR" sz="1200" dirty="0">
               <a:solidFill>
                 <a:schemeClr val="tx1"/>
               </a:solidFill>
             </a:endParaRPr>
           </a:p>
-        </p:txBody>
-      </p:sp>
-      <p:sp>
-        <p:nvSpPr>
-          <p:cNvPr id="37" name="사각형: 둥근 모서리 36">
-            <a:extLst>
-              <a:ext uri="{FF2B5EF4-FFF2-40B4-BE49-F238E27FC236}">
-                <a16:creationId xmlns:a16="http://schemas.microsoft.com/office/drawing/2014/main" id="{2BF51CE3-CA3E-4C52-87DD-C1DB162DC31F}"/>
+          <a:p>
+            <a:pPr algn="ctr"/>
+            <a:r>
+              <a:rPr lang="en-US" altLang="ko-KR" sz="1200" dirty="0">
+                <a:solidFill>
+                  <a:schemeClr val="tx1"/>
+                </a:solidFill>
+              </a:rPr>
+              <a:t>RFID.txt</a:t>
+            </a:r>
+            <a:r>
+              <a:rPr lang="ko-KR" altLang="en-US" sz="1200" dirty="0">
+                <a:solidFill>
+                  <a:schemeClr val="tx1"/>
+                </a:solidFill>
+              </a:rPr>
+              <a:t>와 동일한 </a:t>
+            </a:r>
+            <a:r>
+              <a:rPr lang="en-US" altLang="ko-KR" sz="1200" dirty="0">
+                <a:solidFill>
+                  <a:schemeClr val="tx1"/>
+                </a:solidFill>
+              </a:rPr>
+              <a:t>ID</a:t>
+            </a:r>
+            <a:r>
+              <a:rPr lang="ko-KR" altLang="en-US" sz="1200" dirty="0">
+                <a:solidFill>
+                  <a:schemeClr val="tx1"/>
+                </a:solidFill>
+              </a:rPr>
+              <a:t>를 찾아</a:t>
+            </a:r>
+            <a:endParaRPr lang="en-US" altLang="ko-KR" sz="1200" dirty="0">
+              <a:solidFill>
+                <a:schemeClr val="tx1"/>
+              </a:solidFill>
+            </a:endParaRPr>
+          </a:p>
+          <a:p>
+            <a:pPr algn="ctr"/>
+            <a:r>
+              <a:rPr lang="ko-KR" altLang="en-US" sz="1200" dirty="0">
+                <a:solidFill>
+                  <a:schemeClr val="tx1"/>
+                </a:solidFill>
+              </a:rPr>
+              <a:t>문자열을 가져옴</a:t>
+            </a:r>
+            <a:endParaRPr lang="en-US" altLang="ko-KR" sz="1200" dirty="0">
+              <a:solidFill>
+                <a:schemeClr val="tx1"/>
+              </a:solidFill>
+            </a:endParaRPr>
+          </a:p>
+        </p:txBody>
+      </p:sp>
+      <p:sp>
+        <p:nvSpPr>
+          <p:cNvPr id="27" name="화살표: 아래쪽 26">
+            <a:extLst>
+              <a:ext uri="{FF2B5EF4-FFF2-40B4-BE49-F238E27FC236}">
+                <a16:creationId xmlns:a16="http://schemas.microsoft.com/office/drawing/2014/main" id="{AC887E7B-3427-421E-AEF7-38EA0C7D970E}"/>
               </a:ext>
             </a:extLst>
           </p:cNvPr>
@@ -6194,8 +6337,60 @@
         </p:nvSpPr>
         <p:spPr>
           <a:xfrm>
-            <a:off x="5504803" y="3997106"/>
-            <a:ext cx="3540137" cy="881075"/>
+            <a:off x="4226519" y="2676005"/>
+            <a:ext cx="330588" cy="384225"/>
+          </a:xfrm>
+          <a:prstGeom prst="downArrow">
+            <a:avLst/>
+          </a:prstGeom>
+          <a:noFill/>
+          <a:ln>
+            <a:solidFill>
+              <a:schemeClr val="tx1"/>
+            </a:solidFill>
+          </a:ln>
+        </p:spPr>
+        <p:style>
+          <a:lnRef idx="2">
+            <a:schemeClr val="accent1">
+              <a:shade val="50000"/>
+            </a:schemeClr>
+          </a:lnRef>
+          <a:fillRef idx="1">
+            <a:schemeClr val="accent1"/>
+          </a:fillRef>
+          <a:effectRef idx="0">
+            <a:schemeClr val="accent1"/>
+          </a:effectRef>
+          <a:fontRef idx="minor">
+            <a:schemeClr val="lt1"/>
+          </a:fontRef>
+        </p:style>
+        <p:txBody>
+          <a:bodyPr rtlCol="0" anchor="ctr"/>
+          <a:lstStyle/>
+          <a:p>
+            <a:pPr algn="ctr"/>
+            <a:endParaRPr lang="ko-KR" altLang="en-US" sz="1200"/>
+          </a:p>
+        </p:txBody>
+      </p:sp>
+      <p:sp>
+        <p:nvSpPr>
+          <p:cNvPr id="32" name="사각형: 둥근 모서리 31">
+            <a:extLst>
+              <a:ext uri="{FF2B5EF4-FFF2-40B4-BE49-F238E27FC236}">
+                <a16:creationId xmlns:a16="http://schemas.microsoft.com/office/drawing/2014/main" id="{F5A19D5B-DF59-45C5-BE4C-BD80315935A8}"/>
+              </a:ext>
+            </a:extLst>
+          </p:cNvPr>
+          <p:cNvSpPr/>
+          <p:nvPr/>
+        </p:nvSpPr>
+        <p:spPr>
+          <a:xfrm>
+            <a:off x="3000670" y="3073683"/>
+            <a:ext cx="2643962" cy="710634"/>
           </a:xfrm>
           <a:prstGeom prst="roundRect">
             <a:avLst/>
@@ -6232,13 +6427,34 @@
           <a:p>
             <a:pPr algn="ctr"/>
             <a:r>
+              <a:rPr lang="ko-KR" altLang="en-US" sz="1200" dirty="0">
+                <a:solidFill>
+                  <a:schemeClr val="tx1"/>
+                </a:solidFill>
+              </a:rPr>
+              <a:t>일치한 </a:t>
+            </a:r>
+            <a:r>
               <a:rPr lang="en-US" altLang="ko-KR" sz="1200" dirty="0">
                 <a:solidFill>
                   <a:schemeClr val="tx1"/>
                 </a:solidFill>
               </a:rPr>
-              <a:t>&lt;3&gt;</a:t>
-            </a:r>
+              <a:t>ID</a:t>
+            </a:r>
+            <a:r>
+              <a:rPr lang="ko-KR" altLang="en-US" sz="1200" dirty="0">
+                <a:solidFill>
+                  <a:schemeClr val="tx1"/>
+                </a:solidFill>
+              </a:rPr>
+              <a:t>에서 해당 값들을 추출</a:t>
+            </a:r>
+            <a:endParaRPr lang="en-US" altLang="ko-KR" sz="1200" dirty="0">
+              <a:solidFill>
+                <a:schemeClr val="tx1"/>
+              </a:solidFill>
+            </a:endParaRPr>
           </a:p>
           <a:p>
             <a:pPr algn="ctr"/>
@@ -6248,34 +6464,7 @@
                   <a:schemeClr val="tx1"/>
                 </a:solidFill>
               </a:rPr>
-              <a:t>Estimation of Target Position</a:t>
-            </a:r>
-          </a:p>
-          <a:p>
-            <a:pPr algn="ctr"/>
-            <a:r>
-              <a:rPr lang="en-US" altLang="ko-KR" sz="1200" dirty="0">
-                <a:solidFill>
-                  <a:schemeClr val="tx1"/>
-                </a:solidFill>
-              </a:rPr>
-              <a:t>(</a:t>
-            </a:r>
-            <a:r>
-              <a:rPr lang="ko-KR" altLang="en-US" sz="1200" dirty="0">
-                <a:solidFill>
-                  <a:schemeClr val="tx1"/>
-                </a:solidFill>
-              </a:rPr>
-              <a:t>타겟의 위치 예측 값 출력</a:t>
-            </a:r>
-            <a:r>
-              <a:rPr lang="en-US" altLang="ko-KR" sz="1200" dirty="0">
-                <a:solidFill>
-                  <a:schemeClr val="tx1"/>
-                </a:solidFill>
-              </a:rPr>
-              <a:t>)</a:t>
+              <a:t>(RSSI, Time)</a:t>
             </a:r>
             <a:endParaRPr lang="ko-KR" altLang="en-US" sz="1200" dirty="0">
               <a:solidFill>
@@ -6287,10 +6476,10 @@
       </p:sp>
       <p:sp>
         <p:nvSpPr>
-          <p:cNvPr id="38" name="사각형: 둥근 모서리 37">
-            <a:extLst>
-              <a:ext uri="{FF2B5EF4-FFF2-40B4-BE49-F238E27FC236}">
-                <a16:creationId xmlns:a16="http://schemas.microsoft.com/office/drawing/2014/main" id="{209F7BAC-7E64-4408-9915-A0A7B5F51A18}"/>
+          <p:cNvPr id="33" name="화살표: 아래쪽 32">
+            <a:extLst>
+              <a:ext uri="{FF2B5EF4-FFF2-40B4-BE49-F238E27FC236}">
+                <a16:creationId xmlns:a16="http://schemas.microsoft.com/office/drawing/2014/main" id="{1DD2016C-7E38-46E1-B4C1-8C648F537235}"/>
               </a:ext>
             </a:extLst>
           </p:cNvPr>
@@ -6299,8 +6488,72 @@
         </p:nvSpPr>
         <p:spPr>
           <a:xfrm>
-            <a:off x="5504803" y="5154409"/>
-            <a:ext cx="3540137" cy="881075"/>
+            <a:off x="4186541" y="3907330"/>
+            <a:ext cx="330588" cy="384225"/>
+          </a:xfrm>
+          <a:prstGeom prst="downArrow">
+            <a:avLst/>
+          </a:prstGeom>
+          <a:noFill/>
+          <a:ln>
+            <a:solidFill>
+              <a:schemeClr val="tx1"/>
+            </a:solidFill>
+          </a:ln>
+        </p:spPr>
+        <p:style>
+          <a:lnRef idx="2">
+            <a:schemeClr val="accent1">
+              <a:shade val="50000"/>
+            </a:schemeClr>
+          </a:lnRef>
+          <a:fillRef idx="1">
+            <a:schemeClr val="accent1"/>
+          </a:fillRef>
+          <a:effectRef idx="0">
+            <a:schemeClr val="accent1"/>
+          </a:effectRef>
+          <a:fontRef idx="minor">
+            <a:schemeClr val="lt1"/>
+          </a:fontRef>
+        </p:style>
+        <p:txBody>
+          <a:bodyPr rtlCol="0" anchor="ctr"/>
+          <a:lstStyle/>
+          <a:p>
+            <a:pPr algn="ctr"/>
+            <a:r>
+              <a:rPr lang="en-US" altLang="ko-KR" sz="1200" dirty="0">
+                <a:solidFill>
+                  <a:schemeClr val="tx1"/>
+                </a:solidFill>
+              </a:rPr>
+              <a:t>A</a:t>
+            </a:r>
+            <a:endParaRPr lang="ko-KR" altLang="en-US" sz="1200" dirty="0">
+              <a:solidFill>
+                <a:schemeClr val="tx1"/>
+              </a:solidFill>
+            </a:endParaRPr>
+          </a:p>
+        </p:txBody>
+      </p:sp>
+      <p:sp>
+        <p:nvSpPr>
+          <p:cNvPr id="34" name="사각형: 둥근 모서리 33">
+            <a:extLst>
+              <a:ext uri="{FF2B5EF4-FFF2-40B4-BE49-F238E27FC236}">
+                <a16:creationId xmlns:a16="http://schemas.microsoft.com/office/drawing/2014/main" id="{1306C121-88C8-4732-A2C8-987C8589B25F}"/>
+              </a:ext>
+            </a:extLst>
+          </p:cNvPr>
+          <p:cNvSpPr/>
+          <p:nvPr/>
+        </p:nvSpPr>
+        <p:spPr>
+          <a:xfrm>
+            <a:off x="3214099" y="4398446"/>
+            <a:ext cx="2297345" cy="710634"/>
           </a:xfrm>
           <a:prstGeom prst="roundRect">
             <a:avLst/>
@@ -6337,34 +6590,20 @@
           <a:p>
             <a:pPr algn="ctr"/>
             <a:r>
+              <a:rPr lang="ko-KR" altLang="en-US" sz="1200" dirty="0">
+                <a:solidFill>
+                  <a:schemeClr val="tx1"/>
+                </a:solidFill>
+              </a:rPr>
+              <a:t>참조 데이터에 해당하는 </a:t>
+            </a:r>
+            <a:r>
               <a:rPr lang="en-US" altLang="ko-KR" sz="1200" dirty="0">
                 <a:solidFill>
                   <a:schemeClr val="tx1"/>
                 </a:solidFill>
               </a:rPr>
-              <a:t>&lt;0&gt;</a:t>
-            </a:r>
-          </a:p>
-          <a:p>
-            <a:pPr algn="ctr"/>
-            <a:r>
-              <a:rPr lang="en-US" altLang="ko-KR" sz="1200" dirty="0">
-                <a:solidFill>
-                  <a:schemeClr val="tx1"/>
-                </a:solidFill>
-              </a:rPr>
-              <a:t>Quit</a:t>
-            </a:r>
-          </a:p>
-          <a:p>
-            <a:pPr algn="ctr"/>
-            <a:r>
-              <a:rPr lang="en-US" altLang="ko-KR" sz="1200" dirty="0">
-                <a:solidFill>
-                  <a:schemeClr val="tx1"/>
-                </a:solidFill>
-              </a:rPr>
-              <a:t>(</a:t>
+              <a:t>ID</a:t>
             </a:r>
             <a:r>
               <a:rPr lang="ko-KR" altLang="en-US" sz="1200" dirty="0">
@@ -6372,28 +6611,63 @@
                   <a:schemeClr val="tx1"/>
                 </a:solidFill>
               </a:rPr>
-              <a:t>종료</a:t>
-            </a:r>
-            <a:r>
-              <a:rPr lang="en-US" altLang="ko-KR" sz="1200" dirty="0">
-                <a:solidFill>
-                  <a:schemeClr val="tx1"/>
-                </a:solidFill>
-              </a:rPr>
-              <a:t>)</a:t>
-            </a:r>
-            <a:endParaRPr lang="ko-KR" altLang="en-US" sz="1200" dirty="0">
+              <a:t>의</a:t>
+            </a:r>
+            <a:endParaRPr lang="en-US" altLang="ko-KR" sz="1200" dirty="0">
               <a:solidFill>
                 <a:schemeClr val="tx1"/>
               </a:solidFill>
             </a:endParaRPr>
           </a:p>
+          <a:p>
+            <a:pPr algn="ctr"/>
+            <a:r>
+              <a:rPr lang="en-US" altLang="ko-KR" sz="1200" dirty="0">
+                <a:solidFill>
+                  <a:schemeClr val="tx1"/>
+                </a:solidFill>
+              </a:rPr>
+              <a:t>&lt;RSSI,</a:t>
+            </a:r>
+            <a:r>
+              <a:rPr lang="ko-KR" altLang="en-US" sz="1200" dirty="0">
+                <a:solidFill>
+                  <a:schemeClr val="tx1"/>
+                </a:solidFill>
+              </a:rPr>
+              <a:t> 인터벌</a:t>
+            </a:r>
+            <a:r>
+              <a:rPr lang="en-US" altLang="ko-KR" sz="1200" dirty="0">
+                <a:solidFill>
+                  <a:schemeClr val="tx1"/>
+                </a:solidFill>
+              </a:rPr>
+              <a:t>&gt;</a:t>
+            </a:r>
+          </a:p>
+          <a:p>
+            <a:pPr algn="ctr"/>
+            <a:r>
+              <a:rPr lang="ko-KR" altLang="en-US" sz="1200" dirty="0">
+                <a:solidFill>
+                  <a:schemeClr val="tx1"/>
+                </a:solidFill>
+              </a:rPr>
+              <a:t>평균 값 계산</a:t>
+            </a:r>
+            <a:endParaRPr lang="en-US" altLang="ko-KR" sz="1200" dirty="0">
+              <a:solidFill>
+                <a:schemeClr val="tx1"/>
+              </a:solidFill>
+            </a:endParaRPr>
+          </a:p>
         </p:txBody>
       </p:sp>
     </p:spTree>
     <p:extLst>
       <p:ext uri="{BB962C8B-B14F-4D97-AF65-F5344CB8AC3E}">
-        <p14:creationId xmlns:p14="http://schemas.microsoft.com/office/powerpoint/2010/main" val="3533706666"/>
+        <p14:creationId xmlns:p14="http://schemas.microsoft.com/office/powerpoint/2010/main" val="3088632831"/>
       </p:ext>
     </p:extLst>
   </p:cSld>
